--- a/CalendarioAgo24/presentaciones/22_Matrices.pptx
+++ b/CalendarioAgo24/presentaciones/22_Matrices.pptx
@@ -5,7 +5,7 @@
     <p:sldMasterId id="2147483648" r:id="rId1"/>
   </p:sldMasterIdLst>
   <p:notesMasterIdLst>
-    <p:notesMasterId r:id="rId22"/>
+    <p:notesMasterId r:id="rId21"/>
   </p:notesMasterIdLst>
   <p:sldIdLst>
     <p:sldId id="257" r:id="rId2"/>
@@ -17,17 +17,16 @@
     <p:sldId id="737" r:id="rId8"/>
     <p:sldId id="738" r:id="rId9"/>
     <p:sldId id="740" r:id="rId10"/>
-    <p:sldId id="739" r:id="rId11"/>
-    <p:sldId id="622" r:id="rId12"/>
-    <p:sldId id="746" r:id="rId13"/>
-    <p:sldId id="262" r:id="rId14"/>
-    <p:sldId id="275" r:id="rId15"/>
-    <p:sldId id="276" r:id="rId16"/>
-    <p:sldId id="277" r:id="rId17"/>
-    <p:sldId id="278" r:id="rId18"/>
-    <p:sldId id="311" r:id="rId19"/>
-    <p:sldId id="312" r:id="rId20"/>
-    <p:sldId id="282" r:id="rId21"/>
+    <p:sldId id="622" r:id="rId11"/>
+    <p:sldId id="746" r:id="rId12"/>
+    <p:sldId id="262" r:id="rId13"/>
+    <p:sldId id="275" r:id="rId14"/>
+    <p:sldId id="276" r:id="rId15"/>
+    <p:sldId id="277" r:id="rId16"/>
+    <p:sldId id="278" r:id="rId17"/>
+    <p:sldId id="311" r:id="rId18"/>
+    <p:sldId id="312" r:id="rId19"/>
+    <p:sldId id="282" r:id="rId20"/>
   </p:sldIdLst>
   <p:sldSz cx="9144000" cy="6858000" type="screen4x3"/>
   <p:notesSz cx="6858000" cy="9144000"/>
@@ -227,7 +226,7 @@
           <a:p>
             <a:fld id="{9CE7A054-6D4F-4ED4-B3E7-62AC408CF793}" type="datetimeFigureOut">
               <a:rPr lang="es-MX" smtClean="0"/>
-              <a:t>15/03/2023</a:t>
+              <a:t>04/09/2024</a:t>
             </a:fld>
             <a:endParaRPr lang="es-MX"/>
           </a:p>
@@ -386,7 +385,7 @@
           <a:p>
             <a:fld id="{9C4A5C2F-87B0-4382-B452-9CF1E6F7248D}" type="slidenum">
               <a:rPr lang="es-MX" smtClean="0"/>
-              <a:t>‹Nº›</a:t>
+              <a:t>‹#›</a:t>
             </a:fld>
             <a:endParaRPr lang="es-MX"/>
           </a:p>
@@ -644,91 +643,7 @@
           <a:p>
             <a:fld id="{9C4A5C2F-87B0-4382-B452-9CF1E6F7248D}" type="slidenum">
               <a:rPr lang="es-MX" smtClean="0"/>
-              <a:t>14</a:t>
-            </a:fld>
-            <a:endParaRPr lang="es-MX"/>
-          </a:p>
-        </p:txBody>
-      </p:sp>
-    </p:spTree>
-    <p:extLst>
-      <p:ext uri="{BB962C8B-B14F-4D97-AF65-F5344CB8AC3E}">
-        <p14:creationId xmlns:p14="http://schemas.microsoft.com/office/powerpoint/2010/main" val="4241124567"/>
-      </p:ext>
-    </p:extLst>
-  </p:cSld>
-  <p:clrMapOvr>
-    <a:masterClrMapping/>
-  </p:clrMapOvr>
-</p:notes>
-</file>
-
-<file path=ppt/notesSlides/notesSlide11.xml><?xml version="1.0" encoding="utf-8"?>
-<p:notes xmlns:a="http://schemas.openxmlformats.org/drawingml/2006/main" xmlns:r="http://schemas.openxmlformats.org/officeDocument/2006/relationships" xmlns:p="http://schemas.openxmlformats.org/presentationml/2006/main">
-  <p:cSld>
-    <p:spTree>
-      <p:nvGrpSpPr>
-        <p:cNvPr id="1" name=""/>
-        <p:cNvGrpSpPr/>
-        <p:nvPr/>
-      </p:nvGrpSpPr>
-      <p:grpSpPr>
-        <a:xfrm>
-          <a:off x="0" y="0"/>
-          <a:ext cx="0" cy="0"/>
-          <a:chOff x="0" y="0"/>
-          <a:chExt cx="0" cy="0"/>
-        </a:xfrm>
-      </p:grpSpPr>
-      <p:sp>
-        <p:nvSpPr>
-          <p:cNvPr id="2" name="Marcador de imagen de diapositiva 1"/>
-          <p:cNvSpPr>
-            <a:spLocks noGrp="1" noRot="1" noChangeAspect="1"/>
-          </p:cNvSpPr>
-          <p:nvPr>
-            <p:ph type="sldImg"/>
-          </p:nvPr>
-        </p:nvSpPr>
-        <p:spPr/>
-      </p:sp>
-      <p:sp>
-        <p:nvSpPr>
-          <p:cNvPr id="3" name="Marcador de notas 2"/>
-          <p:cNvSpPr>
-            <a:spLocks noGrp="1"/>
-          </p:cNvSpPr>
-          <p:nvPr>
-            <p:ph type="body" idx="1"/>
-          </p:nvPr>
-        </p:nvSpPr>
-        <p:spPr/>
-        <p:txBody>
-          <a:bodyPr/>
-          <a:lstStyle/>
-          <a:p>
-            <a:endParaRPr lang="es-MX" dirty="0"/>
-          </a:p>
-        </p:txBody>
-      </p:sp>
-      <p:sp>
-        <p:nvSpPr>
-          <p:cNvPr id="4" name="Marcador de número de diapositiva 3"/>
-          <p:cNvSpPr>
-            <a:spLocks noGrp="1"/>
-          </p:cNvSpPr>
-          <p:nvPr>
-            <p:ph type="sldNum" sz="quarter" idx="5"/>
-          </p:nvPr>
-        </p:nvSpPr>
-        <p:spPr/>
-        <p:txBody>
-          <a:bodyPr/>
-          <a:lstStyle/>
-          <a:p>
-            <a:fld id="{9C4A5C2F-87B0-4382-B452-9CF1E6F7248D}" type="slidenum">
-              <a:rPr lang="es-MX" smtClean="0"/>
-              <a:t>17</a:t>
+              <a:t>16</a:t>
             </a:fld>
             <a:endParaRPr lang="es-MX"/>
           </a:p>
@@ -1241,7 +1156,7 @@
     </p:spTree>
     <p:extLst>
       <p:ext uri="{BB962C8B-B14F-4D97-AF65-F5344CB8AC3E}">
-        <p14:creationId xmlns:p14="http://schemas.microsoft.com/office/powerpoint/2010/main" val="372241884"/>
+        <p14:creationId xmlns:p14="http://schemas.microsoft.com/office/powerpoint/2010/main" val="3744367232"/>
       </p:ext>
     </p:extLst>
   </p:cSld>
@@ -1325,7 +1240,7 @@
     </p:spTree>
     <p:extLst>
       <p:ext uri="{BB962C8B-B14F-4D97-AF65-F5344CB8AC3E}">
-        <p14:creationId xmlns:p14="http://schemas.microsoft.com/office/powerpoint/2010/main" val="3744367232"/>
+        <p14:creationId xmlns:p14="http://schemas.microsoft.com/office/powerpoint/2010/main" val="4177416061"/>
       </p:ext>
     </p:extLst>
   </p:cSld>
@@ -1398,18 +1313,18 @@
           <a:bodyPr/>
           <a:lstStyle/>
           <a:p>
-            <a:fld id="{6BAB4312-99A1-4CE9-ACE7-4C62E9FD90EE}" type="slidenum">
+            <a:fld id="{9C4A5C2F-87B0-4382-B452-9CF1E6F7248D}" type="slidenum">
               <a:rPr lang="es-MX" smtClean="0"/>
-              <a:t>12</a:t>
+              <a:t>13</a:t>
             </a:fld>
-            <a:endParaRPr lang="es-MX" dirty="0"/>
+            <a:endParaRPr lang="es-MX"/>
           </a:p>
         </p:txBody>
       </p:sp>
     </p:spTree>
     <p:extLst>
       <p:ext uri="{BB962C8B-B14F-4D97-AF65-F5344CB8AC3E}">
-        <p14:creationId xmlns:p14="http://schemas.microsoft.com/office/powerpoint/2010/main" val="4177416061"/>
+        <p14:creationId xmlns:p14="http://schemas.microsoft.com/office/powerpoint/2010/main" val="4241124567"/>
       </p:ext>
     </p:extLst>
   </p:cSld>
@@ -1600,7 +1515,7 @@
           <a:p>
             <a:fld id="{05B1B184-8162-40A9-BCCC-182276235E4C}" type="datetimeFigureOut">
               <a:rPr lang="es-MX" smtClean="0"/>
-              <a:t>15/03/2023</a:t>
+              <a:t>04/09/2024</a:t>
             </a:fld>
             <a:endParaRPr lang="es-MX"/>
           </a:p>
@@ -1642,7 +1557,7 @@
           <a:p>
             <a:fld id="{53E33FAF-ABAD-49D1-A35B-BBEFD2E5CCCF}" type="slidenum">
               <a:rPr lang="es-MX" smtClean="0"/>
-              <a:t>‹Nº›</a:t>
+              <a:t>‹#›</a:t>
             </a:fld>
             <a:endParaRPr lang="es-MX"/>
           </a:p>
@@ -1770,7 +1685,7 @@
           <a:p>
             <a:fld id="{05B1B184-8162-40A9-BCCC-182276235E4C}" type="datetimeFigureOut">
               <a:rPr lang="es-MX" smtClean="0"/>
-              <a:t>15/03/2023</a:t>
+              <a:t>04/09/2024</a:t>
             </a:fld>
             <a:endParaRPr lang="es-MX"/>
           </a:p>
@@ -1812,7 +1727,7 @@
           <a:p>
             <a:fld id="{53E33FAF-ABAD-49D1-A35B-BBEFD2E5CCCF}" type="slidenum">
               <a:rPr lang="es-MX" smtClean="0"/>
-              <a:t>‹Nº›</a:t>
+              <a:t>‹#›</a:t>
             </a:fld>
             <a:endParaRPr lang="es-MX"/>
           </a:p>
@@ -1950,7 +1865,7 @@
           <a:p>
             <a:fld id="{05B1B184-8162-40A9-BCCC-182276235E4C}" type="datetimeFigureOut">
               <a:rPr lang="es-MX" smtClean="0"/>
-              <a:t>15/03/2023</a:t>
+              <a:t>04/09/2024</a:t>
             </a:fld>
             <a:endParaRPr lang="es-MX"/>
           </a:p>
@@ -1992,7 +1907,7 @@
           <a:p>
             <a:fld id="{53E33FAF-ABAD-49D1-A35B-BBEFD2E5CCCF}" type="slidenum">
               <a:rPr lang="es-MX" smtClean="0"/>
-              <a:t>‹Nº›</a:t>
+              <a:t>‹#›</a:t>
             </a:fld>
             <a:endParaRPr lang="es-MX"/>
           </a:p>
@@ -2103,7 +2018,7 @@
           <a:p>
             <a:fld id="{1D8BD707-D9CF-40AE-B4C6-C98DA3205C09}" type="datetimeFigureOut">
               <a:rPr lang="en-US" smtClean="0"/>
-              <a:t>3/15/2023</a:t>
+              <a:t>9/4/2024</a:t>
             </a:fld>
             <a:endParaRPr lang="en-US"/>
           </a:p>
@@ -2133,7 +2048,7 @@
                 <a:cs typeface="Calibri"/>
               </a:rPr>
               <a:pPr marL="25400"/>
-              <a:t>‹Nº›</a:t>
+              <a:t>‹#›</a:t>
             </a:fld>
             <a:endParaRPr lang="es-MX">
               <a:cs typeface="Calibri"/>
@@ -2263,7 +2178,7 @@
           <a:p>
             <a:fld id="{05B1B184-8162-40A9-BCCC-182276235E4C}" type="datetimeFigureOut">
               <a:rPr lang="es-MX" smtClean="0"/>
-              <a:t>15/03/2023</a:t>
+              <a:t>04/09/2024</a:t>
             </a:fld>
             <a:endParaRPr lang="es-MX"/>
           </a:p>
@@ -2305,7 +2220,7 @@
           <a:p>
             <a:fld id="{53E33FAF-ABAD-49D1-A35B-BBEFD2E5CCCF}" type="slidenum">
               <a:rPr lang="es-MX" smtClean="0"/>
-              <a:t>‹Nº›</a:t>
+              <a:t>‹#›</a:t>
             </a:fld>
             <a:endParaRPr lang="es-MX"/>
           </a:p>
@@ -2509,7 +2424,7 @@
           <a:p>
             <a:fld id="{05B1B184-8162-40A9-BCCC-182276235E4C}" type="datetimeFigureOut">
               <a:rPr lang="es-MX" smtClean="0"/>
-              <a:t>15/03/2023</a:t>
+              <a:t>04/09/2024</a:t>
             </a:fld>
             <a:endParaRPr lang="es-MX"/>
           </a:p>
@@ -2551,7 +2466,7 @@
           <a:p>
             <a:fld id="{53E33FAF-ABAD-49D1-A35B-BBEFD2E5CCCF}" type="slidenum">
               <a:rPr lang="es-MX" smtClean="0"/>
-              <a:t>‹Nº›</a:t>
+              <a:t>‹#›</a:t>
             </a:fld>
             <a:endParaRPr lang="es-MX"/>
           </a:p>
@@ -2797,7 +2712,7 @@
           <a:p>
             <a:fld id="{05B1B184-8162-40A9-BCCC-182276235E4C}" type="datetimeFigureOut">
               <a:rPr lang="es-MX" smtClean="0"/>
-              <a:t>15/03/2023</a:t>
+              <a:t>04/09/2024</a:t>
             </a:fld>
             <a:endParaRPr lang="es-MX"/>
           </a:p>
@@ -2839,7 +2754,7 @@
           <a:p>
             <a:fld id="{53E33FAF-ABAD-49D1-A35B-BBEFD2E5CCCF}" type="slidenum">
               <a:rPr lang="es-MX" smtClean="0"/>
-              <a:t>‹Nº›</a:t>
+              <a:t>‹#›</a:t>
             </a:fld>
             <a:endParaRPr lang="es-MX"/>
           </a:p>
@@ -3219,7 +3134,7 @@
           <a:p>
             <a:fld id="{05B1B184-8162-40A9-BCCC-182276235E4C}" type="datetimeFigureOut">
               <a:rPr lang="es-MX" smtClean="0"/>
-              <a:t>15/03/2023</a:t>
+              <a:t>04/09/2024</a:t>
             </a:fld>
             <a:endParaRPr lang="es-MX"/>
           </a:p>
@@ -3261,7 +3176,7 @@
           <a:p>
             <a:fld id="{53E33FAF-ABAD-49D1-A35B-BBEFD2E5CCCF}" type="slidenum">
               <a:rPr lang="es-MX" smtClean="0"/>
-              <a:t>‹Nº›</a:t>
+              <a:t>‹#›</a:t>
             </a:fld>
             <a:endParaRPr lang="es-MX"/>
           </a:p>
@@ -3337,7 +3252,7 @@
           <a:p>
             <a:fld id="{05B1B184-8162-40A9-BCCC-182276235E4C}" type="datetimeFigureOut">
               <a:rPr lang="es-MX" smtClean="0"/>
-              <a:t>15/03/2023</a:t>
+              <a:t>04/09/2024</a:t>
             </a:fld>
             <a:endParaRPr lang="es-MX"/>
           </a:p>
@@ -3379,7 +3294,7 @@
           <a:p>
             <a:fld id="{53E33FAF-ABAD-49D1-A35B-BBEFD2E5CCCF}" type="slidenum">
               <a:rPr lang="es-MX" smtClean="0"/>
-              <a:t>‹Nº›</a:t>
+              <a:t>‹#›</a:t>
             </a:fld>
             <a:endParaRPr lang="es-MX"/>
           </a:p>
@@ -3432,7 +3347,7 @@
           <a:p>
             <a:fld id="{05B1B184-8162-40A9-BCCC-182276235E4C}" type="datetimeFigureOut">
               <a:rPr lang="es-MX" smtClean="0"/>
-              <a:t>15/03/2023</a:t>
+              <a:t>04/09/2024</a:t>
             </a:fld>
             <a:endParaRPr lang="es-MX"/>
           </a:p>
@@ -3474,7 +3389,7 @@
           <a:p>
             <a:fld id="{53E33FAF-ABAD-49D1-A35B-BBEFD2E5CCCF}" type="slidenum">
               <a:rPr lang="es-MX" smtClean="0"/>
-              <a:t>‹Nº›</a:t>
+              <a:t>‹#›</a:t>
             </a:fld>
             <a:endParaRPr lang="es-MX"/>
           </a:p>
@@ -3709,7 +3624,7 @@
           <a:p>
             <a:fld id="{05B1B184-8162-40A9-BCCC-182276235E4C}" type="datetimeFigureOut">
               <a:rPr lang="es-MX" smtClean="0"/>
-              <a:t>15/03/2023</a:t>
+              <a:t>04/09/2024</a:t>
             </a:fld>
             <a:endParaRPr lang="es-MX"/>
           </a:p>
@@ -3751,7 +3666,7 @@
           <a:p>
             <a:fld id="{53E33FAF-ABAD-49D1-A35B-BBEFD2E5CCCF}" type="slidenum">
               <a:rPr lang="es-MX" smtClean="0"/>
-              <a:t>‹Nº›</a:t>
+              <a:t>‹#›</a:t>
             </a:fld>
             <a:endParaRPr lang="es-MX"/>
           </a:p>
@@ -3962,7 +3877,7 @@
           <a:p>
             <a:fld id="{05B1B184-8162-40A9-BCCC-182276235E4C}" type="datetimeFigureOut">
               <a:rPr lang="es-MX" smtClean="0"/>
-              <a:t>15/03/2023</a:t>
+              <a:t>04/09/2024</a:t>
             </a:fld>
             <a:endParaRPr lang="es-MX"/>
           </a:p>
@@ -4004,7 +3919,7 @@
           <a:p>
             <a:fld id="{53E33FAF-ABAD-49D1-A35B-BBEFD2E5CCCF}" type="slidenum">
               <a:rPr lang="es-MX" smtClean="0"/>
-              <a:t>‹Nº›</a:t>
+              <a:t>‹#›</a:t>
             </a:fld>
             <a:endParaRPr lang="es-MX"/>
           </a:p>
@@ -4175,7 +4090,7 @@
           <a:p>
             <a:fld id="{05B1B184-8162-40A9-BCCC-182276235E4C}" type="datetimeFigureOut">
               <a:rPr lang="es-MX" smtClean="0"/>
-              <a:t>15/03/2023</a:t>
+              <a:t>04/09/2024</a:t>
             </a:fld>
             <a:endParaRPr lang="es-MX"/>
           </a:p>
@@ -4253,7 +4168,7 @@
           <a:p>
             <a:fld id="{53E33FAF-ABAD-49D1-A35B-BBEFD2E5CCCF}" type="slidenum">
               <a:rPr lang="es-MX" smtClean="0"/>
-              <a:t>‹Nº›</a:t>
+              <a:t>‹#›</a:t>
             </a:fld>
             <a:endParaRPr lang="es-MX"/>
           </a:p>
@@ -4745,13 +4660,13 @@
         </p:nvSpPr>
         <p:spPr>
           <a:xfrm>
-            <a:off x="282352" y="-17738"/>
+            <a:off x="282352" y="209048"/>
             <a:ext cx="8579296" cy="1143000"/>
           </a:xfrm>
         </p:spPr>
         <p:txBody>
           <a:bodyPr>
-            <a:normAutofit/>
+            <a:normAutofit fontScale="90000"/>
           </a:bodyPr>
           <a:lstStyle/>
           <a:p>
@@ -4772,17 +4687,17 @@
                 </a:effectLst>
                 <a:latin typeface="Dom Casual" charset="0"/>
               </a:rPr>
-              <a:t>Manipulación de matrices</a:t>
+              <a:t>Agregar elementos y concatenar matrices</a:t>
             </a:r>
           </a:p>
         </p:txBody>
       </p:sp>
       <p:sp>
         <p:nvSpPr>
-          <p:cNvPr id="10" name="CuadroTexto 9">
+          <p:cNvPr id="7" name="CuadroTexto 6">
             <a:extLst>
               <a:ext uri="{FF2B5EF4-FFF2-40B4-BE49-F238E27FC236}">
-                <a16:creationId xmlns:a16="http://schemas.microsoft.com/office/drawing/2014/main" id="{28D7FAFF-9722-4D6A-9DE5-55FC738D0886}"/>
+                <a16:creationId xmlns:a16="http://schemas.microsoft.com/office/drawing/2014/main" id="{0CE5AA9D-354E-4C31-88A9-A48B5A9BA280}"/>
               </a:ext>
             </a:extLst>
           </p:cNvPr>
@@ -4791,8 +4706,8 @@
         </p:nvSpPr>
         <p:spPr>
           <a:xfrm>
-            <a:off x="611560" y="1125262"/>
-            <a:ext cx="7848872" cy="967957"/>
+            <a:off x="398618" y="1792425"/>
+            <a:ext cx="8208912" cy="2290948"/>
           </a:xfrm>
           <a:prstGeom prst="rect">
             <a:avLst/>
@@ -4805,81 +4720,254 @@
           </a:bodyPr>
           <a:lstStyle/>
           <a:p>
-            <a:pPr>
+            <a:pPr marL="285750" indent="-285750" algn="just" fontAlgn="base">
               <a:lnSpc>
-                <a:spcPct val="150000"/>
+                <a:spcPts val="2500"/>
               </a:lnSpc>
+              <a:spcAft>
+                <a:spcPts val="1200"/>
+              </a:spcAft>
+              <a:buFont typeface="Arial" panose="020B0604020202020204" pitchFamily="34" charset="0"/>
+              <a:buChar char="•"/>
             </a:pPr>
             <a:r>
-              <a:rPr lang="es-ES" sz="2000" dirty="0">
-                <a:solidFill>
-                  <a:schemeClr val="tx1">
-                    <a:lumMod val="95000"/>
-                    <a:lumOff val="5000"/>
-                  </a:schemeClr>
-                </a:solidFill>
-              </a:rPr>
-              <a:t>Podemos acceder a elementos individuales, extraer una fila entera y extraer una columna entera por medio de </a:t>
-            </a:r>
-            <a:r>
-              <a:rPr lang="es-ES" sz="2000" b="1" dirty="0">
+              <a:rPr lang="es-MX" b="0" i="0" dirty="0">
+                <a:solidFill>
+                  <a:srgbClr val="212121"/>
+                </a:solidFill>
+                <a:effectLst/>
+                <a:latin typeface="Roboto" panose="02000000000000000000" pitchFamily="2" charset="0"/>
+              </a:rPr>
+              <a:t>Para </a:t>
+            </a:r>
+            <a:r>
+              <a:rPr lang="es-MX" b="1" i="0" dirty="0">
                 <a:solidFill>
                   <a:schemeClr val="accent5">
                     <a:lumMod val="75000"/>
                   </a:schemeClr>
                 </a:solidFill>
-              </a:rPr>
-              <a:t>índices</a:t>
-            </a:r>
-            <a:r>
-              <a:rPr lang="es-ES" sz="2000" dirty="0">
-                <a:solidFill>
-                  <a:schemeClr val="tx1">
-                    <a:lumMod val="95000"/>
-                    <a:lumOff val="5000"/>
-                  </a:schemeClr>
-                </a:solidFill>
-              </a:rPr>
-              <a:t> así como por </a:t>
-            </a:r>
-            <a:r>
-              <a:rPr lang="es-ES" sz="2000" b="1" dirty="0" err="1">
-                <a:solidFill>
-                  <a:schemeClr val="accent5">
+                <a:effectLst/>
+                <a:latin typeface="Roboto" panose="02000000000000000000" pitchFamily="2" charset="0"/>
+              </a:rPr>
+              <a:t>agregar </a:t>
+            </a:r>
+            <a:r>
+              <a:rPr lang="es-MX" b="0" i="0" dirty="0">
+                <a:solidFill>
+                  <a:srgbClr val="212121"/>
+                </a:solidFill>
+                <a:effectLst/>
+                <a:latin typeface="Roboto" panose="02000000000000000000" pitchFamily="2" charset="0"/>
+              </a:rPr>
+              <a:t>elementos a una matriz podemos usar la función </a:t>
+            </a:r>
+            <a:r>
+              <a:rPr lang="es-MX" b="1" i="0" dirty="0" err="1">
+                <a:solidFill>
+                  <a:schemeClr val="accent6">
                     <a:lumMod val="75000"/>
                   </a:schemeClr>
                 </a:solidFill>
-              </a:rPr>
-              <a:t>slices</a:t>
-            </a:r>
-            <a:r>
-              <a:rPr lang="es-ES" sz="2000" dirty="0">
-                <a:solidFill>
-                  <a:schemeClr val="tx1">
-                    <a:lumMod val="95000"/>
-                    <a:lumOff val="5000"/>
+                <a:effectLst/>
+                <a:latin typeface="Roboto" panose="02000000000000000000" pitchFamily="2" charset="0"/>
+              </a:rPr>
+              <a:t>np.append</a:t>
+            </a:r>
+            <a:r>
+              <a:rPr lang="es-MX" b="1" i="0" dirty="0">
+                <a:solidFill>
+                  <a:schemeClr val="accent6">
+                    <a:lumMod val="75000"/>
                   </a:schemeClr>
                 </a:solidFill>
-              </a:rPr>
-              <a:t>.</a:t>
-            </a:r>
-            <a:endParaRPr lang="es-ES" sz="2000" b="1" dirty="0">
+                <a:effectLst/>
+                <a:latin typeface="Roboto" panose="02000000000000000000" pitchFamily="2" charset="0"/>
+              </a:rPr>
+              <a:t>()</a:t>
+            </a:r>
+            <a:r>
+              <a:rPr lang="es-MX" b="0" i="0" dirty="0">
+                <a:solidFill>
+                  <a:srgbClr val="212121"/>
+                </a:solidFill>
+                <a:effectLst/>
+                <a:latin typeface="Roboto" panose="02000000000000000000" pitchFamily="2" charset="0"/>
+              </a:rPr>
+              <a:t>:</a:t>
+            </a:r>
+          </a:p>
+          <a:p>
+            <a:pPr lvl="1" algn="just" fontAlgn="base">
+              <a:lnSpc>
+                <a:spcPts val="2500"/>
+              </a:lnSpc>
+              <a:spcAft>
+                <a:spcPts val="1200"/>
+              </a:spcAft>
+            </a:pPr>
+            <a:r>
+              <a:rPr lang="es-ES" b="1" i="0" dirty="0" err="1">
+                <a:solidFill>
+                  <a:srgbClr val="212121"/>
+                </a:solidFill>
+                <a:effectLst/>
+                <a:latin typeface="Roboto" panose="02000000000000000000" pitchFamily="2" charset="0"/>
+              </a:rPr>
+              <a:t>np.append</a:t>
+            </a:r>
+            <a:r>
+              <a:rPr lang="es-ES" b="1" i="0" dirty="0">
+                <a:solidFill>
+                  <a:srgbClr val="212121"/>
+                </a:solidFill>
+                <a:effectLst/>
+                <a:latin typeface="Roboto" panose="02000000000000000000" pitchFamily="2" charset="0"/>
+              </a:rPr>
+              <a:t>(matriz, vals, axis = </a:t>
+            </a:r>
+            <a:r>
+              <a:rPr lang="es-ES" b="1" i="0" dirty="0" err="1">
+                <a:solidFill>
+                  <a:srgbClr val="212121"/>
+                </a:solidFill>
+                <a:effectLst/>
+                <a:latin typeface="Roboto" panose="02000000000000000000" pitchFamily="2" charset="0"/>
+              </a:rPr>
+              <a:t>None</a:t>
+            </a:r>
+            <a:r>
+              <a:rPr lang="es-ES" b="1" i="0" dirty="0">
+                <a:solidFill>
+                  <a:srgbClr val="212121"/>
+                </a:solidFill>
+                <a:effectLst/>
+                <a:latin typeface="Roboto" panose="02000000000000000000" pitchFamily="2" charset="0"/>
+              </a:rPr>
+              <a:t>)</a:t>
+            </a:r>
+          </a:p>
+          <a:p>
+            <a:pPr marL="742950" lvl="1" indent="-285750" algn="just" fontAlgn="base">
+              <a:lnSpc>
+                <a:spcPts val="2500"/>
+              </a:lnSpc>
+              <a:spcAft>
+                <a:spcPts val="1200"/>
+              </a:spcAft>
+              <a:buFont typeface="Arial" panose="020B0604020202020204" pitchFamily="34" charset="0"/>
+              <a:buChar char="•"/>
+            </a:pPr>
+            <a:r>
+              <a:rPr lang="es-ES" b="1" i="0" dirty="0">
+                <a:solidFill>
+                  <a:srgbClr val="212121"/>
+                </a:solidFill>
+                <a:effectLst/>
+                <a:latin typeface="Roboto" panose="02000000000000000000" pitchFamily="2" charset="0"/>
+              </a:rPr>
+              <a:t>matriz </a:t>
+            </a:r>
+            <a:r>
+              <a:rPr lang="es-ES" b="0" i="0" dirty="0">
+                <a:solidFill>
+                  <a:srgbClr val="212121"/>
+                </a:solidFill>
+                <a:effectLst/>
+                <a:latin typeface="Roboto" panose="02000000000000000000" pitchFamily="2" charset="0"/>
+              </a:rPr>
+              <a:t>: La matriz base</a:t>
+            </a:r>
+          </a:p>
+          <a:p>
+            <a:pPr marL="742950" lvl="1" indent="-285750" algn="just" fontAlgn="base">
+              <a:lnSpc>
+                <a:spcPts val="2500"/>
+              </a:lnSpc>
+              <a:spcAft>
+                <a:spcPts val="1200"/>
+              </a:spcAft>
+              <a:buFont typeface="Arial" panose="020B0604020202020204" pitchFamily="34" charset="0"/>
+              <a:buChar char="•"/>
+            </a:pPr>
+            <a:r>
+              <a:rPr lang="es-ES" b="1" i="0" dirty="0">
+                <a:solidFill>
+                  <a:srgbClr val="212121"/>
+                </a:solidFill>
+                <a:effectLst/>
+                <a:latin typeface="Roboto" panose="02000000000000000000" pitchFamily="2" charset="0"/>
+              </a:rPr>
+              <a:t>vals</a:t>
+            </a:r>
+            <a:r>
+              <a:rPr lang="es-ES" b="0" i="0" dirty="0">
+                <a:solidFill>
+                  <a:srgbClr val="212121"/>
+                </a:solidFill>
+                <a:effectLst/>
+                <a:latin typeface="Roboto" panose="02000000000000000000" pitchFamily="2" charset="0"/>
+              </a:rPr>
+              <a:t> : La matriz de valores a juntar</a:t>
+            </a:r>
+          </a:p>
+          <a:p>
+            <a:pPr marL="742950" lvl="1" indent="-285750" algn="just" fontAlgn="base">
+              <a:lnSpc>
+                <a:spcPts val="2500"/>
+              </a:lnSpc>
+              <a:spcAft>
+                <a:spcPts val="1200"/>
+              </a:spcAft>
+              <a:buFont typeface="Arial" panose="020B0604020202020204" pitchFamily="34" charset="0"/>
+              <a:buChar char="•"/>
+            </a:pPr>
+            <a:r>
+              <a:rPr lang="es-ES" b="1" i="0" dirty="0">
+                <a:solidFill>
+                  <a:srgbClr val="212121"/>
+                </a:solidFill>
+                <a:effectLst/>
+                <a:latin typeface="Roboto" panose="02000000000000000000" pitchFamily="2" charset="0"/>
+              </a:rPr>
+              <a:t>axis </a:t>
+            </a:r>
+            <a:r>
+              <a:rPr lang="es-ES" i="0" dirty="0">
+                <a:solidFill>
+                  <a:srgbClr val="212121"/>
+                </a:solidFill>
+                <a:effectLst/>
+                <a:latin typeface="Roboto" panose="02000000000000000000" pitchFamily="2" charset="0"/>
+              </a:rPr>
+              <a:t>:</a:t>
+            </a:r>
+            <a:r>
+              <a:rPr lang="es-ES" b="0" i="0" dirty="0">
+                <a:solidFill>
+                  <a:srgbClr val="212121"/>
+                </a:solidFill>
+                <a:effectLst/>
+                <a:latin typeface="Roboto" panose="02000000000000000000" pitchFamily="2" charset="0"/>
+              </a:rPr>
+              <a:t> Dirección por la que se junta</a:t>
+            </a:r>
+            <a:endParaRPr lang="es-ES" b="0" i="0" dirty="0">
               <a:solidFill>
-                <a:schemeClr val="tx1">
-                  <a:lumMod val="95000"/>
-                  <a:lumOff val="5000"/>
-                </a:schemeClr>
+                <a:srgbClr val="000000"/>
               </a:solidFill>
+              <a:effectLst/>
+              <a:latin typeface="inherit"/>
             </a:endParaRPr>
           </a:p>
         </p:txBody>
       </p:sp>
       <p:sp>
         <p:nvSpPr>
-          <p:cNvPr id="4" name="CuadroTexto 3">
+          <p:cNvPr id="5" name="CuadroTexto 4">
             <a:extLst>
               <a:ext uri="{FF2B5EF4-FFF2-40B4-BE49-F238E27FC236}">
-                <a16:creationId xmlns:a16="http://schemas.microsoft.com/office/drawing/2014/main" id="{4CA1BF14-A431-4B33-8AD0-B5C09E8A4631}"/>
+                <a16:creationId xmlns:a16="http://schemas.microsoft.com/office/drawing/2014/main" id="{54F534B4-0C40-4CDD-A702-6E608E6E4982}"/>
               </a:ext>
             </a:extLst>
           </p:cNvPr>
@@ -4888,8 +4976,8 @@
         </p:nvSpPr>
         <p:spPr>
           <a:xfrm>
-            <a:off x="683568" y="2296479"/>
-            <a:ext cx="7344816" cy="4401205"/>
+            <a:off x="395536" y="4348845"/>
+            <a:ext cx="8208912" cy="1816459"/>
           </a:xfrm>
           <a:prstGeom prst="rect">
             <a:avLst/>
@@ -4902,273 +4990,294 @@
           </a:bodyPr>
           <a:lstStyle/>
           <a:p>
-            <a:r>
-              <a:rPr lang="es-ES" sz="2000" b="1" i="0" dirty="0">
+            <a:pPr marL="285750" indent="-285750" algn="just" fontAlgn="base">
+              <a:lnSpc>
+                <a:spcPts val="2500"/>
+              </a:lnSpc>
+              <a:spcAft>
+                <a:spcPts val="1200"/>
+              </a:spcAft>
+              <a:buFont typeface="Arial" panose="020B0604020202020204" pitchFamily="34" charset="0"/>
+              <a:buChar char="•"/>
+            </a:pPr>
+            <a:r>
+              <a:rPr lang="es-MX" b="0" i="0" dirty="0">
+                <a:solidFill>
+                  <a:srgbClr val="212121"/>
+                </a:solidFill>
+                <a:effectLst/>
+                <a:latin typeface="Roboto" panose="02000000000000000000" pitchFamily="2" charset="0"/>
+              </a:rPr>
+              <a:t>Para </a:t>
+            </a:r>
+            <a:r>
+              <a:rPr lang="es-MX" b="1" i="0" dirty="0">
                 <a:solidFill>
                   <a:schemeClr val="accent5">
                     <a:lumMod val="75000"/>
                   </a:schemeClr>
                 </a:solidFill>
                 <a:effectLst/>
-              </a:rPr>
-              <a:t>matriz</a:t>
-            </a:r>
-            <a:r>
-              <a:rPr lang="es-ES" sz="2000" i="0" dirty="0">
-                <a:solidFill>
-                  <a:schemeClr val="tx1">
-                    <a:lumMod val="95000"/>
-                    <a:lumOff val="5000"/>
+                <a:latin typeface="Roboto" panose="02000000000000000000" pitchFamily="2" charset="0"/>
+              </a:rPr>
+              <a:t>concatenar </a:t>
+            </a:r>
+            <a:r>
+              <a:rPr lang="es-MX" b="0" i="0" dirty="0">
+                <a:solidFill>
+                  <a:srgbClr val="212121"/>
+                </a:solidFill>
+                <a:effectLst/>
+                <a:latin typeface="Roboto" panose="02000000000000000000" pitchFamily="2" charset="0"/>
+              </a:rPr>
+              <a:t>matrices podemos usar la función </a:t>
+            </a:r>
+            <a:r>
+              <a:rPr lang="es-MX" b="1" i="0" dirty="0" err="1">
+                <a:solidFill>
+                  <a:schemeClr val="accent6">
+                    <a:lumMod val="75000"/>
                   </a:schemeClr>
                 </a:solidFill>
                 <a:effectLst/>
-              </a:rPr>
-              <a:t> = </a:t>
-            </a:r>
-            <a:r>
-              <a:rPr lang="es-ES" sz="2000" b="1" i="0" dirty="0" err="1">
-                <a:solidFill>
-                  <a:srgbClr val="FF0000"/>
+                <a:latin typeface="Roboto" panose="02000000000000000000" pitchFamily="2" charset="0"/>
+              </a:rPr>
+              <a:t>np.concatenate</a:t>
+            </a:r>
+            <a:r>
+              <a:rPr lang="es-MX" b="1" i="0" dirty="0">
+                <a:solidFill>
+                  <a:schemeClr val="accent6">
+                    <a:lumMod val="75000"/>
+                  </a:schemeClr>
                 </a:solidFill>
                 <a:effectLst/>
-              </a:rPr>
-              <a:t>np</a:t>
-            </a:r>
-            <a:r>
-              <a:rPr lang="es-ES" sz="2000" i="0" dirty="0" err="1">
-                <a:solidFill>
-                  <a:schemeClr val="tx1">
-                    <a:lumMod val="95000"/>
-                    <a:lumOff val="5000"/>
-                  </a:schemeClr>
+                <a:latin typeface="Roboto" panose="02000000000000000000" pitchFamily="2" charset="0"/>
+              </a:rPr>
+              <a:t>()</a:t>
+            </a:r>
+            <a:r>
+              <a:rPr lang="es-MX" b="0" i="0" dirty="0">
+                <a:solidFill>
+                  <a:srgbClr val="212121"/>
                 </a:solidFill>
                 <a:effectLst/>
-              </a:rPr>
-              <a:t>.</a:t>
-            </a:r>
-            <a:r>
-              <a:rPr lang="es-ES" sz="2000" b="1" i="0" dirty="0" err="1">
-                <a:solidFill>
-                  <a:srgbClr val="FF0000"/>
+                <a:latin typeface="Roboto" panose="02000000000000000000" pitchFamily="2" charset="0"/>
+              </a:rPr>
+              <a:t>:</a:t>
+            </a:r>
+          </a:p>
+          <a:p>
+            <a:pPr lvl="1" algn="just" fontAlgn="base">
+              <a:lnSpc>
+                <a:spcPts val="2500"/>
+              </a:lnSpc>
+              <a:spcAft>
+                <a:spcPts val="1200"/>
+              </a:spcAft>
+            </a:pPr>
+            <a:r>
+              <a:rPr lang="es-ES" b="1" i="0" dirty="0" err="1">
+                <a:solidFill>
+                  <a:srgbClr val="212121"/>
                 </a:solidFill>
                 <a:effectLst/>
-              </a:rPr>
-              <a:t>array</a:t>
-            </a:r>
-            <a:r>
-              <a:rPr lang="es-ES" sz="2000" i="0" dirty="0">
-                <a:solidFill>
-                  <a:schemeClr val="tx1">
-                    <a:lumMod val="95000"/>
-                    <a:lumOff val="5000"/>
-                  </a:schemeClr>
+                <a:latin typeface="Roboto" panose="02000000000000000000" pitchFamily="2" charset="0"/>
+              </a:rPr>
+              <a:t>np.concatenate</a:t>
+            </a:r>
+            <a:r>
+              <a:rPr lang="es-ES" b="1" i="0" dirty="0">
+                <a:solidFill>
+                  <a:srgbClr val="212121"/>
                 </a:solidFill>
                 <a:effectLst/>
-              </a:rPr>
-              <a:t>([1, 2, 3, 4], [5, 6, 7, 8], [9, 10, 11, 12])</a:t>
-            </a:r>
-          </a:p>
-          <a:p>
-            <a:endParaRPr lang="es-ES" sz="2000" dirty="0">
-              <a:solidFill>
-                <a:schemeClr val="tx1">
-                  <a:lumMod val="95000"/>
-                  <a:lumOff val="5000"/>
-                </a:schemeClr>
-              </a:solidFill>
-            </a:endParaRPr>
-          </a:p>
-          <a:p>
-            <a:pPr marL="342900" indent="-342900">
+                <a:latin typeface="Roboto" panose="02000000000000000000" pitchFamily="2" charset="0"/>
+              </a:rPr>
+              <a:t>(</a:t>
+            </a:r>
+            <a:r>
+              <a:rPr lang="es-ES" b="1" dirty="0" err="1">
+                <a:solidFill>
+                  <a:srgbClr val="212121"/>
+                </a:solidFill>
+                <a:latin typeface="Roboto" panose="02000000000000000000" pitchFamily="2" charset="0"/>
+              </a:rPr>
+              <a:t>iter</a:t>
+            </a:r>
+            <a:r>
+              <a:rPr lang="es-ES" b="1" dirty="0">
+                <a:solidFill>
+                  <a:srgbClr val="212121"/>
+                </a:solidFill>
+                <a:latin typeface="Roboto" panose="02000000000000000000" pitchFamily="2" charset="0"/>
+              </a:rPr>
+              <a:t>, a</a:t>
+            </a:r>
+            <a:r>
+              <a:rPr lang="es-ES" b="1" i="0" dirty="0">
+                <a:solidFill>
+                  <a:srgbClr val="212121"/>
+                </a:solidFill>
+                <a:effectLst/>
+                <a:latin typeface="Roboto" panose="02000000000000000000" pitchFamily="2" charset="0"/>
+              </a:rPr>
+              <a:t>xis = </a:t>
+            </a:r>
+            <a:r>
+              <a:rPr lang="es-ES" b="1" i="0" dirty="0" err="1">
+                <a:solidFill>
+                  <a:srgbClr val="212121"/>
+                </a:solidFill>
+                <a:effectLst/>
+                <a:latin typeface="Roboto" panose="02000000000000000000" pitchFamily="2" charset="0"/>
+              </a:rPr>
+              <a:t>None</a:t>
+            </a:r>
+            <a:r>
+              <a:rPr lang="es-ES" b="1" i="0" dirty="0">
+                <a:solidFill>
+                  <a:srgbClr val="212121"/>
+                </a:solidFill>
+                <a:effectLst/>
+                <a:latin typeface="Roboto" panose="02000000000000000000" pitchFamily="2" charset="0"/>
+              </a:rPr>
+              <a:t>)</a:t>
+            </a:r>
+          </a:p>
+          <a:p>
+            <a:pPr marL="742950" lvl="1" indent="-285750" algn="just" fontAlgn="base">
+              <a:lnSpc>
+                <a:spcPts val="2500"/>
+              </a:lnSpc>
+              <a:spcAft>
+                <a:spcPts val="1200"/>
+              </a:spcAft>
               <a:buFont typeface="Arial" panose="020B0604020202020204" pitchFamily="34" charset="0"/>
               <a:buChar char="•"/>
             </a:pPr>
             <a:r>
-              <a:rPr lang="es-ES" sz="2000" dirty="0">
-                <a:solidFill>
-                  <a:schemeClr val="tx1">
-                    <a:lumMod val="95000"/>
-                    <a:lumOff val="5000"/>
-                  </a:schemeClr>
-                </a:solidFill>
-              </a:rPr>
-              <a:t>Podemos acceder a </a:t>
-            </a:r>
-            <a:r>
-              <a:rPr lang="es-ES" sz="2000" b="1" dirty="0">
-                <a:solidFill>
-                  <a:schemeClr val="accent6">
-                    <a:lumMod val="75000"/>
-                  </a:schemeClr>
-                </a:solidFill>
-              </a:rPr>
-              <a:t>elementos individuales </a:t>
-            </a:r>
-          </a:p>
-          <a:p>
-            <a:endParaRPr lang="es-ES" sz="2000" dirty="0">
-              <a:solidFill>
-                <a:schemeClr val="tx1">
-                  <a:lumMod val="95000"/>
-                  <a:lumOff val="5000"/>
-                </a:schemeClr>
-              </a:solidFill>
-            </a:endParaRPr>
-          </a:p>
-          <a:p>
-            <a:pPr lvl="1"/>
-            <a:r>
-              <a:rPr lang="es-ES" sz="2000" b="1" dirty="0">
-                <a:solidFill>
-                  <a:schemeClr val="tx1">
-                    <a:lumMod val="95000"/>
-                    <a:lumOff val="5000"/>
-                  </a:schemeClr>
-                </a:solidFill>
-              </a:rPr>
-              <a:t>matriz[0, 3]</a:t>
-            </a:r>
-          </a:p>
-          <a:p>
-            <a:endParaRPr lang="es-ES" sz="2000" dirty="0">
-              <a:solidFill>
-                <a:schemeClr val="tx1">
-                  <a:lumMod val="95000"/>
-                  <a:lumOff val="5000"/>
-                </a:schemeClr>
-              </a:solidFill>
-            </a:endParaRPr>
-          </a:p>
-          <a:p>
-            <a:pPr marL="342900" indent="-342900">
+              <a:rPr lang="es-ES" b="1" i="0" dirty="0" err="1">
+                <a:solidFill>
+                  <a:srgbClr val="212121"/>
+                </a:solidFill>
+                <a:effectLst/>
+                <a:latin typeface="Roboto" panose="02000000000000000000" pitchFamily="2" charset="0"/>
+              </a:rPr>
+              <a:t>iter</a:t>
+            </a:r>
+            <a:r>
+              <a:rPr lang="es-ES" b="1" i="0" dirty="0">
+                <a:solidFill>
+                  <a:srgbClr val="212121"/>
+                </a:solidFill>
+                <a:effectLst/>
+                <a:latin typeface="Roboto" panose="02000000000000000000" pitchFamily="2" charset="0"/>
+              </a:rPr>
+              <a:t> </a:t>
+            </a:r>
+            <a:r>
+              <a:rPr lang="es-ES" b="0" i="0" dirty="0">
+                <a:solidFill>
+                  <a:srgbClr val="212121"/>
+                </a:solidFill>
+                <a:effectLst/>
+                <a:latin typeface="Roboto" panose="02000000000000000000" pitchFamily="2" charset="0"/>
+              </a:rPr>
+              <a:t>: Lista de arreglos a concatenar.</a:t>
+            </a:r>
+          </a:p>
+          <a:p>
+            <a:pPr marL="742950" lvl="1" indent="-285750" algn="just" fontAlgn="base">
+              <a:lnSpc>
+                <a:spcPts val="2500"/>
+              </a:lnSpc>
+              <a:spcAft>
+                <a:spcPts val="1200"/>
+              </a:spcAft>
               <a:buFont typeface="Arial" panose="020B0604020202020204" pitchFamily="34" charset="0"/>
               <a:buChar char="•"/>
             </a:pPr>
             <a:r>
-              <a:rPr lang="es-ES" sz="2000" dirty="0">
-                <a:solidFill>
-                  <a:schemeClr val="tx1">
-                    <a:lumMod val="95000"/>
-                    <a:lumOff val="5000"/>
-                  </a:schemeClr>
-                </a:solidFill>
-              </a:rPr>
-              <a:t>Podemos </a:t>
-            </a:r>
-            <a:r>
-              <a:rPr lang="es-ES" sz="2000" b="1" dirty="0">
-                <a:solidFill>
-                  <a:schemeClr val="accent6">
-                    <a:lumMod val="75000"/>
-                  </a:schemeClr>
-                </a:solidFill>
-              </a:rPr>
-              <a:t>extraer una fila entera</a:t>
-            </a:r>
-          </a:p>
-          <a:p>
-            <a:endParaRPr lang="es-ES" sz="2000" dirty="0">
+              <a:rPr lang="es-ES" b="1" i="0" dirty="0">
+                <a:solidFill>
+                  <a:srgbClr val="212121"/>
+                </a:solidFill>
+                <a:effectLst/>
+                <a:latin typeface="Roboto" panose="02000000000000000000" pitchFamily="2" charset="0"/>
+              </a:rPr>
+              <a:t>axis </a:t>
+            </a:r>
+            <a:r>
+              <a:rPr lang="es-ES" i="0" dirty="0">
+                <a:solidFill>
+                  <a:srgbClr val="212121"/>
+                </a:solidFill>
+                <a:effectLst/>
+                <a:latin typeface="Roboto" panose="02000000000000000000" pitchFamily="2" charset="0"/>
+              </a:rPr>
+              <a:t>:</a:t>
+            </a:r>
+            <a:r>
+              <a:rPr lang="es-ES" b="0" i="0" dirty="0">
+                <a:solidFill>
+                  <a:srgbClr val="212121"/>
+                </a:solidFill>
+                <a:effectLst/>
+                <a:latin typeface="Roboto" panose="02000000000000000000" pitchFamily="2" charset="0"/>
+              </a:rPr>
+              <a:t> Dirección de concatenación.</a:t>
+            </a:r>
+            <a:endParaRPr lang="es-ES" b="0" i="0" dirty="0">
               <a:solidFill>
-                <a:schemeClr val="tx1">
-                  <a:lumMod val="95000"/>
-                  <a:lumOff val="5000"/>
-                </a:schemeClr>
+                <a:srgbClr val="000000"/>
               </a:solidFill>
-            </a:endParaRPr>
-          </a:p>
-          <a:p>
-            <a:pPr lvl="1"/>
-            <a:r>
-              <a:rPr lang="es-ES" sz="2000" b="1" dirty="0">
-                <a:solidFill>
-                  <a:schemeClr val="tx1">
-                    <a:lumMod val="95000"/>
-                    <a:lumOff val="5000"/>
-                  </a:schemeClr>
-                </a:solidFill>
-              </a:rPr>
-              <a:t>matriz[1, :]</a:t>
-            </a:r>
-          </a:p>
-          <a:p>
-            <a:pPr lvl="1"/>
-            <a:endParaRPr lang="es-ES" sz="2000" b="1" dirty="0">
-              <a:solidFill>
-                <a:schemeClr val="tx1">
-                  <a:lumMod val="95000"/>
-                  <a:lumOff val="5000"/>
-                </a:schemeClr>
-              </a:solidFill>
-            </a:endParaRPr>
-          </a:p>
-          <a:p>
-            <a:pPr marL="342900" indent="-342900">
-              <a:buFont typeface="Arial" panose="020B0604020202020204" pitchFamily="34" charset="0"/>
-              <a:buChar char="•"/>
-            </a:pPr>
-            <a:r>
-              <a:rPr lang="es-ES" sz="2000" dirty="0">
-                <a:solidFill>
-                  <a:schemeClr val="tx1">
-                    <a:lumMod val="95000"/>
-                    <a:lumOff val="5000"/>
-                  </a:schemeClr>
-                </a:solidFill>
-              </a:rPr>
-              <a:t>Podemos </a:t>
-            </a:r>
-            <a:r>
-              <a:rPr lang="es-ES" sz="2000" b="1" dirty="0">
-                <a:solidFill>
-                  <a:schemeClr val="accent6">
-                    <a:lumMod val="75000"/>
-                  </a:schemeClr>
-                </a:solidFill>
-              </a:rPr>
-              <a:t>extraer una columna entera</a:t>
-            </a:r>
-          </a:p>
-          <a:p>
-            <a:endParaRPr lang="es-ES" sz="2000" dirty="0">
-              <a:solidFill>
-                <a:schemeClr val="tx1">
-                  <a:lumMod val="95000"/>
-                  <a:lumOff val="5000"/>
-                </a:schemeClr>
-              </a:solidFill>
-            </a:endParaRPr>
-          </a:p>
-          <a:p>
-            <a:pPr lvl="1"/>
-            <a:r>
-              <a:rPr lang="es-ES" sz="2000" b="1" dirty="0">
-                <a:solidFill>
-                  <a:schemeClr val="tx1">
-                    <a:lumMod val="95000"/>
-                    <a:lumOff val="5000"/>
-                  </a:schemeClr>
-                </a:solidFill>
-              </a:rPr>
-              <a:t>matriz[:, 1]</a:t>
-            </a:r>
-          </a:p>
-          <a:p>
-            <a:pPr lvl="1"/>
-            <a:endParaRPr lang="es-ES" sz="2000" b="1" dirty="0">
-              <a:solidFill>
-                <a:schemeClr val="tx1">
-                  <a:lumMod val="95000"/>
-                  <a:lumOff val="5000"/>
-                </a:schemeClr>
-              </a:solidFill>
+              <a:effectLst/>
+              <a:latin typeface="inherit"/>
             </a:endParaRPr>
           </a:p>
         </p:txBody>
       </p:sp>
+      <p:pic>
+        <p:nvPicPr>
+          <p:cNvPr id="3" name="Picture 2" descr="A diagram of a graph&#10;&#10;Description automatically generated">
+            <a:extLst>
+              <a:ext uri="{FF2B5EF4-FFF2-40B4-BE49-F238E27FC236}">
+                <a16:creationId xmlns:a16="http://schemas.microsoft.com/office/drawing/2014/main" id="{2258203B-2AD3-458D-156C-C466369774D5}"/>
+              </a:ext>
+            </a:extLst>
+          </p:cNvPr>
+          <p:cNvPicPr>
+            <a:picLocks noChangeAspect="1"/>
+          </p:cNvPicPr>
+          <p:nvPr/>
+        </p:nvPicPr>
+        <p:blipFill>
+          <a:blip r:embed="rId3">
+            <a:extLst>
+              <a:ext uri="{28A0092B-C50C-407E-A947-70E740481C1C}">
+                <a14:useLocalDpi xmlns:a14="http://schemas.microsoft.com/office/drawing/2010/main" val="0"/>
+              </a:ext>
+            </a:extLst>
+          </a:blip>
+          <a:stretch>
+            <a:fillRect/>
+          </a:stretch>
+        </p:blipFill>
+        <p:spPr>
+          <a:xfrm>
+            <a:off x="5220072" y="2215490"/>
+            <a:ext cx="3825230" cy="2000619"/>
+          </a:xfrm>
+          <a:prstGeom prst="rect">
+            <a:avLst/>
+          </a:prstGeom>
+        </p:spPr>
+      </p:pic>
     </p:spTree>
     <p:extLst>
       <p:ext uri="{BB962C8B-B14F-4D97-AF65-F5344CB8AC3E}">
-        <p14:creationId xmlns:p14="http://schemas.microsoft.com/office/powerpoint/2010/main" val="641180717"/>
+        <p14:creationId xmlns:p14="http://schemas.microsoft.com/office/powerpoint/2010/main" val="1023280360"/>
       </p:ext>
     </p:extLst>
   </p:cSld>
@@ -5207,626 +5316,6 @@
         </p:nvSpPr>
         <p:spPr>
           <a:xfrm>
-            <a:off x="282352" y="209048"/>
-            <a:ext cx="8579296" cy="1143000"/>
-          </a:xfrm>
-        </p:spPr>
-        <p:txBody>
-          <a:bodyPr>
-            <a:normAutofit fontScale="90000"/>
-          </a:bodyPr>
-          <a:lstStyle/>
-          <a:p>
-            <a:pPr eaLnBrk="1" hangingPunct="1">
-              <a:defRPr/>
-            </a:pPr>
-            <a:r>
-              <a:rPr lang="es-MX" b="1" dirty="0">
-                <a:solidFill>
-                  <a:schemeClr val="accent4">
-                    <a:lumMod val="50000"/>
-                  </a:schemeClr>
-                </a:solidFill>
-                <a:effectLst>
-                  <a:outerShdw blurRad="38100" dist="38100" dir="2700000" algn="tl">
-                    <a:srgbClr val="C0C0C0"/>
-                  </a:outerShdw>
-                </a:effectLst>
-                <a:latin typeface="Dom Casual" charset="0"/>
-              </a:rPr>
-              <a:t>Agregar elementos y concatenar matrices</a:t>
-            </a:r>
-          </a:p>
-        </p:txBody>
-      </p:sp>
-      <p:sp>
-        <p:nvSpPr>
-          <p:cNvPr id="7" name="CuadroTexto 6">
-            <a:extLst>
-              <a:ext uri="{FF2B5EF4-FFF2-40B4-BE49-F238E27FC236}">
-                <a16:creationId xmlns:a16="http://schemas.microsoft.com/office/drawing/2014/main" id="{0CE5AA9D-354E-4C31-88A9-A48B5A9BA280}"/>
-              </a:ext>
-            </a:extLst>
-          </p:cNvPr>
-          <p:cNvSpPr txBox="1"/>
-          <p:nvPr/>
-        </p:nvSpPr>
-        <p:spPr>
-          <a:xfrm>
-            <a:off x="398618" y="1792425"/>
-            <a:ext cx="8208912" cy="2290948"/>
-          </a:xfrm>
-          <a:prstGeom prst="rect">
-            <a:avLst/>
-          </a:prstGeom>
-          <a:noFill/>
-        </p:spPr>
-        <p:txBody>
-          <a:bodyPr wrap="square">
-            <a:spAutoFit/>
-          </a:bodyPr>
-          <a:lstStyle/>
-          <a:p>
-            <a:pPr marL="285750" indent="-285750" algn="just" fontAlgn="base">
-              <a:lnSpc>
-                <a:spcPts val="2500"/>
-              </a:lnSpc>
-              <a:spcAft>
-                <a:spcPts val="1200"/>
-              </a:spcAft>
-              <a:buFont typeface="Arial" panose="020B0604020202020204" pitchFamily="34" charset="0"/>
-              <a:buChar char="•"/>
-            </a:pPr>
-            <a:r>
-              <a:rPr lang="es-MX" b="0" i="0" dirty="0">
-                <a:solidFill>
-                  <a:srgbClr val="212121"/>
-                </a:solidFill>
-                <a:effectLst/>
-                <a:latin typeface="Roboto" panose="02000000000000000000" pitchFamily="2" charset="0"/>
-              </a:rPr>
-              <a:t>Para </a:t>
-            </a:r>
-            <a:r>
-              <a:rPr lang="es-MX" b="1" i="0" dirty="0">
-                <a:solidFill>
-                  <a:schemeClr val="accent5">
-                    <a:lumMod val="75000"/>
-                  </a:schemeClr>
-                </a:solidFill>
-                <a:effectLst/>
-                <a:latin typeface="Roboto" panose="02000000000000000000" pitchFamily="2" charset="0"/>
-              </a:rPr>
-              <a:t>agregar </a:t>
-            </a:r>
-            <a:r>
-              <a:rPr lang="es-MX" b="0" i="0" dirty="0">
-                <a:solidFill>
-                  <a:srgbClr val="212121"/>
-                </a:solidFill>
-                <a:effectLst/>
-                <a:latin typeface="Roboto" panose="02000000000000000000" pitchFamily="2" charset="0"/>
-              </a:rPr>
-              <a:t>elementos a una matriz podemos usar la función </a:t>
-            </a:r>
-            <a:r>
-              <a:rPr lang="es-MX" b="1" i="0" dirty="0" err="1">
-                <a:solidFill>
-                  <a:schemeClr val="accent6">
-                    <a:lumMod val="75000"/>
-                  </a:schemeClr>
-                </a:solidFill>
-                <a:effectLst/>
-                <a:latin typeface="Roboto" panose="02000000000000000000" pitchFamily="2" charset="0"/>
-              </a:rPr>
-              <a:t>np.append</a:t>
-            </a:r>
-            <a:r>
-              <a:rPr lang="es-MX" b="1" i="0" dirty="0">
-                <a:solidFill>
-                  <a:schemeClr val="accent6">
-                    <a:lumMod val="75000"/>
-                  </a:schemeClr>
-                </a:solidFill>
-                <a:effectLst/>
-                <a:latin typeface="Roboto" panose="02000000000000000000" pitchFamily="2" charset="0"/>
-              </a:rPr>
-              <a:t>()</a:t>
-            </a:r>
-            <a:r>
-              <a:rPr lang="es-MX" b="0" i="0" dirty="0">
-                <a:solidFill>
-                  <a:srgbClr val="212121"/>
-                </a:solidFill>
-                <a:effectLst/>
-                <a:latin typeface="Roboto" panose="02000000000000000000" pitchFamily="2" charset="0"/>
-              </a:rPr>
-              <a:t>:</a:t>
-            </a:r>
-          </a:p>
-          <a:p>
-            <a:pPr lvl="1" algn="just" fontAlgn="base">
-              <a:lnSpc>
-                <a:spcPts val="2500"/>
-              </a:lnSpc>
-              <a:spcAft>
-                <a:spcPts val="1200"/>
-              </a:spcAft>
-            </a:pPr>
-            <a:r>
-              <a:rPr lang="es-ES" b="1" i="0" dirty="0" err="1">
-                <a:solidFill>
-                  <a:srgbClr val="212121"/>
-                </a:solidFill>
-                <a:effectLst/>
-                <a:latin typeface="Roboto" panose="02000000000000000000" pitchFamily="2" charset="0"/>
-              </a:rPr>
-              <a:t>np.append</a:t>
-            </a:r>
-            <a:r>
-              <a:rPr lang="es-ES" b="1" i="0" dirty="0">
-                <a:solidFill>
-                  <a:srgbClr val="212121"/>
-                </a:solidFill>
-                <a:effectLst/>
-                <a:latin typeface="Roboto" panose="02000000000000000000" pitchFamily="2" charset="0"/>
-              </a:rPr>
-              <a:t>(matriz, vals, axis = </a:t>
-            </a:r>
-            <a:r>
-              <a:rPr lang="es-ES" b="1" i="0" dirty="0" err="1">
-                <a:solidFill>
-                  <a:srgbClr val="212121"/>
-                </a:solidFill>
-                <a:effectLst/>
-                <a:latin typeface="Roboto" panose="02000000000000000000" pitchFamily="2" charset="0"/>
-              </a:rPr>
-              <a:t>None</a:t>
-            </a:r>
-            <a:r>
-              <a:rPr lang="es-ES" b="1" i="0" dirty="0">
-                <a:solidFill>
-                  <a:srgbClr val="212121"/>
-                </a:solidFill>
-                <a:effectLst/>
-                <a:latin typeface="Roboto" panose="02000000000000000000" pitchFamily="2" charset="0"/>
-              </a:rPr>
-              <a:t>)</a:t>
-            </a:r>
-          </a:p>
-          <a:p>
-            <a:pPr marL="742950" lvl="1" indent="-285750" algn="just" fontAlgn="base">
-              <a:lnSpc>
-                <a:spcPts val="2500"/>
-              </a:lnSpc>
-              <a:spcAft>
-                <a:spcPts val="1200"/>
-              </a:spcAft>
-              <a:buFont typeface="Arial" panose="020B0604020202020204" pitchFamily="34" charset="0"/>
-              <a:buChar char="•"/>
-            </a:pPr>
-            <a:r>
-              <a:rPr lang="es-ES" b="1" i="0" dirty="0">
-                <a:solidFill>
-                  <a:srgbClr val="212121"/>
-                </a:solidFill>
-                <a:effectLst/>
-                <a:latin typeface="Roboto" panose="02000000000000000000" pitchFamily="2" charset="0"/>
-              </a:rPr>
-              <a:t>matriz </a:t>
-            </a:r>
-            <a:r>
-              <a:rPr lang="es-ES" b="0" i="0" dirty="0">
-                <a:solidFill>
-                  <a:srgbClr val="212121"/>
-                </a:solidFill>
-                <a:effectLst/>
-                <a:latin typeface="Roboto" panose="02000000000000000000" pitchFamily="2" charset="0"/>
-              </a:rPr>
-              <a:t>: La matriz base</a:t>
-            </a:r>
-          </a:p>
-          <a:p>
-            <a:pPr marL="742950" lvl="1" indent="-285750" algn="just" fontAlgn="base">
-              <a:lnSpc>
-                <a:spcPts val="2500"/>
-              </a:lnSpc>
-              <a:spcAft>
-                <a:spcPts val="1200"/>
-              </a:spcAft>
-              <a:buFont typeface="Arial" panose="020B0604020202020204" pitchFamily="34" charset="0"/>
-              <a:buChar char="•"/>
-            </a:pPr>
-            <a:r>
-              <a:rPr lang="es-ES" b="1" i="0" dirty="0">
-                <a:solidFill>
-                  <a:srgbClr val="212121"/>
-                </a:solidFill>
-                <a:effectLst/>
-                <a:latin typeface="Roboto" panose="02000000000000000000" pitchFamily="2" charset="0"/>
-              </a:rPr>
-              <a:t>vals</a:t>
-            </a:r>
-            <a:r>
-              <a:rPr lang="es-ES" b="0" i="0" dirty="0">
-                <a:solidFill>
-                  <a:srgbClr val="212121"/>
-                </a:solidFill>
-                <a:effectLst/>
-                <a:latin typeface="Roboto" panose="02000000000000000000" pitchFamily="2" charset="0"/>
-              </a:rPr>
-              <a:t> : La matriz de valores a juntar</a:t>
-            </a:r>
-          </a:p>
-          <a:p>
-            <a:pPr marL="742950" lvl="1" indent="-285750" algn="just" fontAlgn="base">
-              <a:lnSpc>
-                <a:spcPts val="2500"/>
-              </a:lnSpc>
-              <a:spcAft>
-                <a:spcPts val="1200"/>
-              </a:spcAft>
-              <a:buFont typeface="Arial" panose="020B0604020202020204" pitchFamily="34" charset="0"/>
-              <a:buChar char="•"/>
-            </a:pPr>
-            <a:r>
-              <a:rPr lang="es-ES" b="1" i="0" dirty="0">
-                <a:solidFill>
-                  <a:srgbClr val="212121"/>
-                </a:solidFill>
-                <a:effectLst/>
-                <a:latin typeface="Roboto" panose="02000000000000000000" pitchFamily="2" charset="0"/>
-              </a:rPr>
-              <a:t>axis </a:t>
-            </a:r>
-            <a:r>
-              <a:rPr lang="es-ES" i="0" dirty="0">
-                <a:solidFill>
-                  <a:srgbClr val="212121"/>
-                </a:solidFill>
-                <a:effectLst/>
-                <a:latin typeface="Roboto" panose="02000000000000000000" pitchFamily="2" charset="0"/>
-              </a:rPr>
-              <a:t>:</a:t>
-            </a:r>
-            <a:r>
-              <a:rPr lang="es-ES" b="0" i="0" dirty="0">
-                <a:solidFill>
-                  <a:srgbClr val="212121"/>
-                </a:solidFill>
-                <a:effectLst/>
-                <a:latin typeface="Roboto" panose="02000000000000000000" pitchFamily="2" charset="0"/>
-              </a:rPr>
-              <a:t> Dirección por la que se junta</a:t>
-            </a:r>
-            <a:endParaRPr lang="es-ES" b="0" i="0" dirty="0">
-              <a:solidFill>
-                <a:srgbClr val="000000"/>
-              </a:solidFill>
-              <a:effectLst/>
-              <a:latin typeface="inherit"/>
-            </a:endParaRPr>
-          </a:p>
-        </p:txBody>
-      </p:sp>
-      <p:sp>
-        <p:nvSpPr>
-          <p:cNvPr id="5" name="CuadroTexto 4">
-            <a:extLst>
-              <a:ext uri="{FF2B5EF4-FFF2-40B4-BE49-F238E27FC236}">
-                <a16:creationId xmlns:a16="http://schemas.microsoft.com/office/drawing/2014/main" id="{54F534B4-0C40-4CDD-A702-6E608E6E4982}"/>
-              </a:ext>
-            </a:extLst>
-          </p:cNvPr>
-          <p:cNvSpPr txBox="1"/>
-          <p:nvPr/>
-        </p:nvSpPr>
-        <p:spPr>
-          <a:xfrm>
-            <a:off x="395536" y="4348845"/>
-            <a:ext cx="8208912" cy="1816459"/>
-          </a:xfrm>
-          <a:prstGeom prst="rect">
-            <a:avLst/>
-          </a:prstGeom>
-          <a:noFill/>
-        </p:spPr>
-        <p:txBody>
-          <a:bodyPr wrap="square">
-            <a:spAutoFit/>
-          </a:bodyPr>
-          <a:lstStyle/>
-          <a:p>
-            <a:pPr marL="285750" indent="-285750" algn="just" fontAlgn="base">
-              <a:lnSpc>
-                <a:spcPts val="2500"/>
-              </a:lnSpc>
-              <a:spcAft>
-                <a:spcPts val="1200"/>
-              </a:spcAft>
-              <a:buFont typeface="Arial" panose="020B0604020202020204" pitchFamily="34" charset="0"/>
-              <a:buChar char="•"/>
-            </a:pPr>
-            <a:r>
-              <a:rPr lang="es-MX" b="0" i="0" dirty="0">
-                <a:solidFill>
-                  <a:srgbClr val="212121"/>
-                </a:solidFill>
-                <a:effectLst/>
-                <a:latin typeface="Roboto" panose="02000000000000000000" pitchFamily="2" charset="0"/>
-              </a:rPr>
-              <a:t>Para </a:t>
-            </a:r>
-            <a:r>
-              <a:rPr lang="es-MX" b="1" i="0" dirty="0">
-                <a:solidFill>
-                  <a:schemeClr val="accent5">
-                    <a:lumMod val="75000"/>
-                  </a:schemeClr>
-                </a:solidFill>
-                <a:effectLst/>
-                <a:latin typeface="Roboto" panose="02000000000000000000" pitchFamily="2" charset="0"/>
-              </a:rPr>
-              <a:t>concatenar </a:t>
-            </a:r>
-            <a:r>
-              <a:rPr lang="es-MX" b="0" i="0" dirty="0">
-                <a:solidFill>
-                  <a:srgbClr val="212121"/>
-                </a:solidFill>
-                <a:effectLst/>
-                <a:latin typeface="Roboto" panose="02000000000000000000" pitchFamily="2" charset="0"/>
-              </a:rPr>
-              <a:t>matrices podemos usar la función </a:t>
-            </a:r>
-            <a:r>
-              <a:rPr lang="es-MX" b="1" i="0" dirty="0" err="1">
-                <a:solidFill>
-                  <a:schemeClr val="accent6">
-                    <a:lumMod val="75000"/>
-                  </a:schemeClr>
-                </a:solidFill>
-                <a:effectLst/>
-                <a:latin typeface="Roboto" panose="02000000000000000000" pitchFamily="2" charset="0"/>
-              </a:rPr>
-              <a:t>np.concatenate</a:t>
-            </a:r>
-            <a:r>
-              <a:rPr lang="es-MX" b="1" i="0" dirty="0">
-                <a:solidFill>
-                  <a:schemeClr val="accent6">
-                    <a:lumMod val="75000"/>
-                  </a:schemeClr>
-                </a:solidFill>
-                <a:effectLst/>
-                <a:latin typeface="Roboto" panose="02000000000000000000" pitchFamily="2" charset="0"/>
-              </a:rPr>
-              <a:t>()</a:t>
-            </a:r>
-            <a:r>
-              <a:rPr lang="es-MX" b="0" i="0" dirty="0">
-                <a:solidFill>
-                  <a:srgbClr val="212121"/>
-                </a:solidFill>
-                <a:effectLst/>
-                <a:latin typeface="Roboto" panose="02000000000000000000" pitchFamily="2" charset="0"/>
-              </a:rPr>
-              <a:t>:</a:t>
-            </a:r>
-          </a:p>
-          <a:p>
-            <a:pPr lvl="1" algn="just" fontAlgn="base">
-              <a:lnSpc>
-                <a:spcPts val="2500"/>
-              </a:lnSpc>
-              <a:spcAft>
-                <a:spcPts val="1200"/>
-              </a:spcAft>
-            </a:pPr>
-            <a:r>
-              <a:rPr lang="es-ES" b="1" i="0" dirty="0" err="1">
-                <a:solidFill>
-                  <a:srgbClr val="212121"/>
-                </a:solidFill>
-                <a:effectLst/>
-                <a:latin typeface="Roboto" panose="02000000000000000000" pitchFamily="2" charset="0"/>
-              </a:rPr>
-              <a:t>np.concatenate</a:t>
-            </a:r>
-            <a:r>
-              <a:rPr lang="es-ES" b="1" i="0" dirty="0">
-                <a:solidFill>
-                  <a:srgbClr val="212121"/>
-                </a:solidFill>
-                <a:effectLst/>
-                <a:latin typeface="Roboto" panose="02000000000000000000" pitchFamily="2" charset="0"/>
-              </a:rPr>
-              <a:t>(</a:t>
-            </a:r>
-            <a:r>
-              <a:rPr lang="es-ES" b="1" dirty="0" err="1">
-                <a:solidFill>
-                  <a:srgbClr val="212121"/>
-                </a:solidFill>
-                <a:latin typeface="Roboto" panose="02000000000000000000" pitchFamily="2" charset="0"/>
-              </a:rPr>
-              <a:t>iter</a:t>
-            </a:r>
-            <a:r>
-              <a:rPr lang="es-ES" b="1" dirty="0">
-                <a:solidFill>
-                  <a:srgbClr val="212121"/>
-                </a:solidFill>
-                <a:latin typeface="Roboto" panose="02000000000000000000" pitchFamily="2" charset="0"/>
-              </a:rPr>
-              <a:t>, a</a:t>
-            </a:r>
-            <a:r>
-              <a:rPr lang="es-ES" b="1" i="0" dirty="0">
-                <a:solidFill>
-                  <a:srgbClr val="212121"/>
-                </a:solidFill>
-                <a:effectLst/>
-                <a:latin typeface="Roboto" panose="02000000000000000000" pitchFamily="2" charset="0"/>
-              </a:rPr>
-              <a:t>xis = </a:t>
-            </a:r>
-            <a:r>
-              <a:rPr lang="es-ES" b="1" i="0" dirty="0" err="1">
-                <a:solidFill>
-                  <a:srgbClr val="212121"/>
-                </a:solidFill>
-                <a:effectLst/>
-                <a:latin typeface="Roboto" panose="02000000000000000000" pitchFamily="2" charset="0"/>
-              </a:rPr>
-              <a:t>None</a:t>
-            </a:r>
-            <a:r>
-              <a:rPr lang="es-ES" b="1" i="0" dirty="0">
-                <a:solidFill>
-                  <a:srgbClr val="212121"/>
-                </a:solidFill>
-                <a:effectLst/>
-                <a:latin typeface="Roboto" panose="02000000000000000000" pitchFamily="2" charset="0"/>
-              </a:rPr>
-              <a:t>)</a:t>
-            </a:r>
-          </a:p>
-          <a:p>
-            <a:pPr marL="742950" lvl="1" indent="-285750" algn="just" fontAlgn="base">
-              <a:lnSpc>
-                <a:spcPts val="2500"/>
-              </a:lnSpc>
-              <a:spcAft>
-                <a:spcPts val="1200"/>
-              </a:spcAft>
-              <a:buFont typeface="Arial" panose="020B0604020202020204" pitchFamily="34" charset="0"/>
-              <a:buChar char="•"/>
-            </a:pPr>
-            <a:r>
-              <a:rPr lang="es-ES" b="1" i="0" dirty="0" err="1">
-                <a:solidFill>
-                  <a:srgbClr val="212121"/>
-                </a:solidFill>
-                <a:effectLst/>
-                <a:latin typeface="Roboto" panose="02000000000000000000" pitchFamily="2" charset="0"/>
-              </a:rPr>
-              <a:t>iter</a:t>
-            </a:r>
-            <a:r>
-              <a:rPr lang="es-ES" b="1" i="0" dirty="0">
-                <a:solidFill>
-                  <a:srgbClr val="212121"/>
-                </a:solidFill>
-                <a:effectLst/>
-                <a:latin typeface="Roboto" panose="02000000000000000000" pitchFamily="2" charset="0"/>
-              </a:rPr>
-              <a:t> </a:t>
-            </a:r>
-            <a:r>
-              <a:rPr lang="es-ES" b="0" i="0" dirty="0">
-                <a:solidFill>
-                  <a:srgbClr val="212121"/>
-                </a:solidFill>
-                <a:effectLst/>
-                <a:latin typeface="Roboto" panose="02000000000000000000" pitchFamily="2" charset="0"/>
-              </a:rPr>
-              <a:t>: Lista de arreglos a concatenar.</a:t>
-            </a:r>
-          </a:p>
-          <a:p>
-            <a:pPr marL="742950" lvl="1" indent="-285750" algn="just" fontAlgn="base">
-              <a:lnSpc>
-                <a:spcPts val="2500"/>
-              </a:lnSpc>
-              <a:spcAft>
-                <a:spcPts val="1200"/>
-              </a:spcAft>
-              <a:buFont typeface="Arial" panose="020B0604020202020204" pitchFamily="34" charset="0"/>
-              <a:buChar char="•"/>
-            </a:pPr>
-            <a:r>
-              <a:rPr lang="es-ES" b="1" i="0" dirty="0">
-                <a:solidFill>
-                  <a:srgbClr val="212121"/>
-                </a:solidFill>
-                <a:effectLst/>
-                <a:latin typeface="Roboto" panose="02000000000000000000" pitchFamily="2" charset="0"/>
-              </a:rPr>
-              <a:t>axis </a:t>
-            </a:r>
-            <a:r>
-              <a:rPr lang="es-ES" i="0" dirty="0">
-                <a:solidFill>
-                  <a:srgbClr val="212121"/>
-                </a:solidFill>
-                <a:effectLst/>
-                <a:latin typeface="Roboto" panose="02000000000000000000" pitchFamily="2" charset="0"/>
-              </a:rPr>
-              <a:t>:</a:t>
-            </a:r>
-            <a:r>
-              <a:rPr lang="es-ES" b="0" i="0" dirty="0">
-                <a:solidFill>
-                  <a:srgbClr val="212121"/>
-                </a:solidFill>
-                <a:effectLst/>
-                <a:latin typeface="Roboto" panose="02000000000000000000" pitchFamily="2" charset="0"/>
-              </a:rPr>
-              <a:t> Dirección de concatenación.</a:t>
-            </a:r>
-            <a:endParaRPr lang="es-ES" b="0" i="0" dirty="0">
-              <a:solidFill>
-                <a:srgbClr val="000000"/>
-              </a:solidFill>
-              <a:effectLst/>
-              <a:latin typeface="inherit"/>
-            </a:endParaRPr>
-          </a:p>
-        </p:txBody>
-      </p:sp>
-    </p:spTree>
-    <p:extLst>
-      <p:ext uri="{BB962C8B-B14F-4D97-AF65-F5344CB8AC3E}">
-        <p14:creationId xmlns:p14="http://schemas.microsoft.com/office/powerpoint/2010/main" val="1023280360"/>
-      </p:ext>
-    </p:extLst>
-  </p:cSld>
-  <p:clrMapOvr>
-    <a:masterClrMapping/>
-  </p:clrMapOvr>
-</p:sld>
-</file>
-
-<file path=ppt/slides/slide12.xml><?xml version="1.0" encoding="utf-8"?>
-<p:sld xmlns:a="http://schemas.openxmlformats.org/drawingml/2006/main" xmlns:r="http://schemas.openxmlformats.org/officeDocument/2006/relationships" xmlns:p="http://schemas.openxmlformats.org/presentationml/2006/main">
-  <p:cSld>
-    <p:spTree>
-      <p:nvGrpSpPr>
-        <p:cNvPr id="1" name=""/>
-        <p:cNvGrpSpPr/>
-        <p:nvPr/>
-      </p:nvGrpSpPr>
-      <p:grpSpPr>
-        <a:xfrm>
-          <a:off x="0" y="0"/>
-          <a:ext cx="0" cy="0"/>
-          <a:chOff x="0" y="0"/>
-          <a:chExt cx="0" cy="0"/>
-        </a:xfrm>
-      </p:grpSpPr>
-      <p:sp>
-        <p:nvSpPr>
-          <p:cNvPr id="184324" name="Rectangle 4"/>
-          <p:cNvSpPr>
-            <a:spLocks noGrp="1" noChangeArrowheads="1"/>
-          </p:cNvSpPr>
-          <p:nvPr>
-            <p:ph type="title"/>
-          </p:nvPr>
-        </p:nvSpPr>
-        <p:spPr>
-          <a:xfrm>
             <a:off x="282352" y="404664"/>
             <a:ext cx="8579296" cy="1143000"/>
           </a:xfrm>
@@ -6422,7 +5911,7 @@
 </p:sld>
 </file>
 
-<file path=ppt/slides/slide13.xml><?xml version="1.0" encoding="utf-8"?>
+<file path=ppt/slides/slide12.xml><?xml version="1.0" encoding="utf-8"?>
 <p:sld xmlns:a="http://schemas.openxmlformats.org/drawingml/2006/main" xmlns:r="http://schemas.openxmlformats.org/officeDocument/2006/relationships" xmlns:p="http://schemas.openxmlformats.org/presentationml/2006/main">
   <p:cSld>
     <p:spTree>
@@ -6916,7 +6405,7 @@
 </p:sld>
 </file>
 
-<file path=ppt/slides/slide14.xml><?xml version="1.0" encoding="utf-8"?>
+<file path=ppt/slides/slide13.xml><?xml version="1.0" encoding="utf-8"?>
 <p:sld xmlns:a="http://schemas.openxmlformats.org/drawingml/2006/main" xmlns:r="http://schemas.openxmlformats.org/officeDocument/2006/relationships" xmlns:p="http://schemas.openxmlformats.org/presentationml/2006/main">
   <p:cSld>
     <p:spTree>
@@ -7393,7 +6882,7 @@
 </p:sld>
 </file>
 
-<file path=ppt/slides/slide15.xml><?xml version="1.0" encoding="utf-8"?>
+<file path=ppt/slides/slide14.xml><?xml version="1.0" encoding="utf-8"?>
 <p:sld xmlns:a="http://schemas.openxmlformats.org/drawingml/2006/main" xmlns:r="http://schemas.openxmlformats.org/officeDocument/2006/relationships" xmlns:p="http://schemas.openxmlformats.org/presentationml/2006/main" showMasterPhAnim="0">
   <p:cSld>
     <p:spTree>
@@ -9356,7 +8845,7 @@
 </p:sld>
 </file>
 
-<file path=ppt/slides/slide16.xml><?xml version="1.0" encoding="utf-8"?>
+<file path=ppt/slides/slide15.xml><?xml version="1.0" encoding="utf-8"?>
 <p:sld xmlns:a="http://schemas.openxmlformats.org/drawingml/2006/main" xmlns:r="http://schemas.openxmlformats.org/officeDocument/2006/relationships" xmlns:p="http://schemas.openxmlformats.org/presentationml/2006/main">
   <p:cSld>
     <p:spTree>
@@ -12573,7 +12062,7 @@
 </p:sld>
 </file>
 
-<file path=ppt/slides/slide17.xml><?xml version="1.0" encoding="utf-8"?>
+<file path=ppt/slides/slide16.xml><?xml version="1.0" encoding="utf-8"?>
 <p:sld xmlns:a="http://schemas.openxmlformats.org/drawingml/2006/main" xmlns:r="http://schemas.openxmlformats.org/officeDocument/2006/relationships" xmlns:p="http://schemas.openxmlformats.org/presentationml/2006/main" showMasterPhAnim="0">
   <p:cSld>
     <p:spTree>
@@ -12781,7 +12270,7 @@
 </p:sld>
 </file>
 
-<file path=ppt/slides/slide18.xml><?xml version="1.0" encoding="utf-8"?>
+<file path=ppt/slides/slide17.xml><?xml version="1.0" encoding="utf-8"?>
 <p:sld xmlns:a="http://schemas.openxmlformats.org/drawingml/2006/main" xmlns:r="http://schemas.openxmlformats.org/officeDocument/2006/relationships" xmlns:p="http://schemas.openxmlformats.org/presentationml/2006/main">
   <p:cSld>
     <p:spTree>
@@ -13225,7 +12714,7 @@
 </p:sld>
 </file>
 
-<file path=ppt/slides/slide19.xml><?xml version="1.0" encoding="utf-8"?>
+<file path=ppt/slides/slide18.xml><?xml version="1.0" encoding="utf-8"?>
 <p:sld xmlns:a="http://schemas.openxmlformats.org/drawingml/2006/main" xmlns:r="http://schemas.openxmlformats.org/officeDocument/2006/relationships" xmlns:p="http://schemas.openxmlformats.org/presentationml/2006/main">
   <p:cSld>
     <p:spTree>
@@ -13471,6 +12960,1203 @@
         <p14:creationId xmlns:p14="http://schemas.microsoft.com/office/powerpoint/2010/main" val="3713659776"/>
       </p:ext>
     </p:extLst>
+  </p:cSld>
+  <p:clrMapOvr>
+    <a:masterClrMapping/>
+  </p:clrMapOvr>
+</p:sld>
+</file>
+
+<file path=ppt/slides/slide19.xml><?xml version="1.0" encoding="utf-8"?>
+<p:sld xmlns:a="http://schemas.openxmlformats.org/drawingml/2006/main" xmlns:r="http://schemas.openxmlformats.org/officeDocument/2006/relationships" xmlns:p="http://schemas.openxmlformats.org/presentationml/2006/main">
+  <p:cSld>
+    <p:spTree>
+      <p:nvGrpSpPr>
+        <p:cNvPr id="1" name=""/>
+        <p:cNvGrpSpPr/>
+        <p:nvPr/>
+      </p:nvGrpSpPr>
+      <p:grpSpPr>
+        <a:xfrm>
+          <a:off x="0" y="0"/>
+          <a:ext cx="0" cy="0"/>
+          <a:chOff x="0" y="0"/>
+          <a:chExt cx="0" cy="0"/>
+        </a:xfrm>
+      </p:grpSpPr>
+      <p:sp>
+        <p:nvSpPr>
+          <p:cNvPr id="2" name="object 2"/>
+          <p:cNvSpPr/>
+          <p:nvPr/>
+        </p:nvSpPr>
+        <p:spPr>
+          <a:xfrm>
+            <a:off x="8218931" y="4978146"/>
+            <a:ext cx="684276" cy="594360"/>
+          </a:xfrm>
+          <a:prstGeom prst="rect">
+            <a:avLst/>
+          </a:prstGeom>
+          <a:blipFill>
+            <a:blip r:embed="rId2" cstate="print"/>
+            <a:stretch>
+              <a:fillRect/>
+            </a:stretch>
+          </a:blipFill>
+        </p:spPr>
+        <p:txBody>
+          <a:bodyPr wrap="square" lIns="0" tIns="0" rIns="0" bIns="0" rtlCol="0">
+            <a:noAutofit/>
+          </a:bodyPr>
+          <a:lstStyle/>
+          <a:p>
+            <a:endParaRPr/>
+          </a:p>
+        </p:txBody>
+      </p:sp>
+      <p:sp>
+        <p:nvSpPr>
+          <p:cNvPr id="3" name="object 3"/>
+          <p:cNvSpPr/>
+          <p:nvPr/>
+        </p:nvSpPr>
+        <p:spPr>
+          <a:xfrm>
+            <a:off x="315468" y="1035558"/>
+            <a:ext cx="1089660" cy="943355"/>
+          </a:xfrm>
+          <a:prstGeom prst="rect">
+            <a:avLst/>
+          </a:prstGeom>
+          <a:blipFill>
+            <a:blip r:embed="rId3" cstate="print"/>
+            <a:stretch>
+              <a:fillRect/>
+            </a:stretch>
+          </a:blipFill>
+        </p:spPr>
+        <p:txBody>
+          <a:bodyPr wrap="square" lIns="0" tIns="0" rIns="0" bIns="0" rtlCol="0">
+            <a:noAutofit/>
+          </a:bodyPr>
+          <a:lstStyle/>
+          <a:p>
+            <a:endParaRPr/>
+          </a:p>
+        </p:txBody>
+      </p:sp>
+      <p:sp>
+        <p:nvSpPr>
+          <p:cNvPr id="4" name="object 4"/>
+          <p:cNvSpPr/>
+          <p:nvPr/>
+        </p:nvSpPr>
+        <p:spPr>
+          <a:xfrm>
+            <a:off x="0" y="1704595"/>
+            <a:ext cx="550164" cy="585215"/>
+          </a:xfrm>
+          <a:custGeom>
+            <a:avLst/>
+            <a:gdLst/>
+            <a:ahLst/>
+            <a:cxnLst/>
+            <a:rect l="l" t="t" r="r" b="b"/>
+            <a:pathLst>
+              <a:path w="550164" h="585215">
+                <a:moveTo>
+                  <a:pt x="0" y="507832"/>
+                </a:moveTo>
+                <a:lnTo>
+                  <a:pt x="44383" y="585215"/>
+                </a:lnTo>
+                <a:lnTo>
+                  <a:pt x="382333" y="585215"/>
+                </a:lnTo>
+                <a:lnTo>
+                  <a:pt x="550164" y="292607"/>
+                </a:lnTo>
+                <a:lnTo>
+                  <a:pt x="382333" y="0"/>
+                </a:lnTo>
+                <a:lnTo>
+                  <a:pt x="44383" y="0"/>
+                </a:lnTo>
+                <a:lnTo>
+                  <a:pt x="0" y="77383"/>
+                </a:lnTo>
+              </a:path>
+            </a:pathLst>
+          </a:custGeom>
+          <a:ln w="9144">
+            <a:solidFill>
+              <a:srgbClr val="18BAD4"/>
+            </a:solidFill>
+          </a:ln>
+        </p:spPr>
+        <p:txBody>
+          <a:bodyPr wrap="square" lIns="0" tIns="0" rIns="0" bIns="0" rtlCol="0">
+            <a:noAutofit/>
+          </a:bodyPr>
+          <a:lstStyle/>
+          <a:p>
+            <a:endParaRPr/>
+          </a:p>
+        </p:txBody>
+      </p:sp>
+      <p:sp>
+        <p:nvSpPr>
+          <p:cNvPr id="5" name="object 5"/>
+          <p:cNvSpPr/>
+          <p:nvPr/>
+        </p:nvSpPr>
+        <p:spPr>
+          <a:xfrm>
+            <a:off x="502920" y="2018538"/>
+            <a:ext cx="353567" cy="306324"/>
+          </a:xfrm>
+          <a:custGeom>
+            <a:avLst/>
+            <a:gdLst/>
+            <a:ahLst/>
+            <a:cxnLst/>
+            <a:rect l="l" t="t" r="r" b="b"/>
+            <a:pathLst>
+              <a:path w="353568" h="306324">
+                <a:moveTo>
+                  <a:pt x="265722" y="0"/>
+                </a:moveTo>
+                <a:lnTo>
+                  <a:pt x="87845" y="0"/>
+                </a:lnTo>
+                <a:lnTo>
+                  <a:pt x="0" y="153162"/>
+                </a:lnTo>
+                <a:lnTo>
+                  <a:pt x="87845" y="306324"/>
+                </a:lnTo>
+                <a:lnTo>
+                  <a:pt x="265722" y="306324"/>
+                </a:lnTo>
+                <a:lnTo>
+                  <a:pt x="353567" y="153162"/>
+                </a:lnTo>
+                <a:lnTo>
+                  <a:pt x="265722" y="0"/>
+                </a:lnTo>
+                <a:close/>
+              </a:path>
+            </a:pathLst>
+          </a:custGeom>
+          <a:solidFill>
+            <a:srgbClr val="174669"/>
+          </a:solidFill>
+        </p:spPr>
+        <p:txBody>
+          <a:bodyPr wrap="square" lIns="0" tIns="0" rIns="0" bIns="0" rtlCol="0">
+            <a:noAutofit/>
+          </a:bodyPr>
+          <a:lstStyle/>
+          <a:p>
+            <a:endParaRPr/>
+          </a:p>
+        </p:txBody>
+      </p:sp>
+      <p:sp>
+        <p:nvSpPr>
+          <p:cNvPr id="6" name="object 6"/>
+          <p:cNvSpPr/>
+          <p:nvPr/>
+        </p:nvSpPr>
+        <p:spPr>
+          <a:xfrm>
+            <a:off x="1208533" y="857251"/>
+            <a:ext cx="673607" cy="452627"/>
+          </a:xfrm>
+          <a:custGeom>
+            <a:avLst/>
+            <a:gdLst/>
+            <a:ahLst/>
+            <a:cxnLst/>
+            <a:rect l="l" t="t" r="r" b="b"/>
+            <a:pathLst>
+              <a:path w="673607" h="452627">
+                <a:moveTo>
+                  <a:pt x="0" y="160781"/>
+                </a:moveTo>
+                <a:lnTo>
+                  <a:pt x="167386" y="452627"/>
+                </a:lnTo>
+                <a:lnTo>
+                  <a:pt x="506222" y="452627"/>
+                </a:lnTo>
+                <a:lnTo>
+                  <a:pt x="673607" y="160781"/>
+                </a:lnTo>
+                <a:lnTo>
+                  <a:pt x="581393" y="0"/>
+                </a:lnTo>
+              </a:path>
+            </a:pathLst>
+          </a:custGeom>
+          <a:ln w="76200">
+            <a:solidFill>
+              <a:srgbClr val="174669"/>
+            </a:solidFill>
+          </a:ln>
+        </p:spPr>
+        <p:txBody>
+          <a:bodyPr wrap="square" lIns="0" tIns="0" rIns="0" bIns="0" rtlCol="0">
+            <a:noAutofit/>
+          </a:bodyPr>
+          <a:lstStyle/>
+          <a:p>
+            <a:endParaRPr/>
+          </a:p>
+        </p:txBody>
+      </p:sp>
+      <p:sp>
+        <p:nvSpPr>
+          <p:cNvPr id="7" name="object 7"/>
+          <p:cNvSpPr/>
+          <p:nvPr/>
+        </p:nvSpPr>
+        <p:spPr>
+          <a:xfrm>
+            <a:off x="1208532" y="857251"/>
+            <a:ext cx="92214" cy="160781"/>
+          </a:xfrm>
+          <a:custGeom>
+            <a:avLst/>
+            <a:gdLst/>
+            <a:ahLst/>
+            <a:cxnLst/>
+            <a:rect l="l" t="t" r="r" b="b"/>
+            <a:pathLst>
+              <a:path w="92214" h="160781">
+                <a:moveTo>
+                  <a:pt x="92214" y="0"/>
+                </a:moveTo>
+                <a:lnTo>
+                  <a:pt x="0" y="160781"/>
+                </a:lnTo>
+              </a:path>
+            </a:pathLst>
+          </a:custGeom>
+          <a:ln w="76199">
+            <a:solidFill>
+              <a:srgbClr val="174669"/>
+            </a:solidFill>
+          </a:ln>
+        </p:spPr>
+        <p:txBody>
+          <a:bodyPr wrap="square" lIns="0" tIns="0" rIns="0" bIns="0" rtlCol="0">
+            <a:noAutofit/>
+          </a:bodyPr>
+          <a:lstStyle/>
+          <a:p>
+            <a:endParaRPr/>
+          </a:p>
+        </p:txBody>
+      </p:sp>
+      <p:sp>
+        <p:nvSpPr>
+          <p:cNvPr id="8" name="object 8"/>
+          <p:cNvSpPr/>
+          <p:nvPr/>
+        </p:nvSpPr>
+        <p:spPr>
+          <a:xfrm>
+            <a:off x="248411" y="907542"/>
+            <a:ext cx="294132" cy="254508"/>
+          </a:xfrm>
+          <a:custGeom>
+            <a:avLst/>
+            <a:gdLst/>
+            <a:ahLst/>
+            <a:cxnLst/>
+            <a:rect l="l" t="t" r="r" b="b"/>
+            <a:pathLst>
+              <a:path w="294131" h="254508">
+                <a:moveTo>
+                  <a:pt x="221145" y="0"/>
+                </a:moveTo>
+                <a:lnTo>
+                  <a:pt x="72986" y="0"/>
+                </a:lnTo>
+                <a:lnTo>
+                  <a:pt x="0" y="127254"/>
+                </a:lnTo>
+                <a:lnTo>
+                  <a:pt x="72986" y="254508"/>
+                </a:lnTo>
+                <a:lnTo>
+                  <a:pt x="221145" y="254508"/>
+                </a:lnTo>
+                <a:lnTo>
+                  <a:pt x="294132" y="127254"/>
+                </a:lnTo>
+                <a:lnTo>
+                  <a:pt x="221145" y="0"/>
+                </a:lnTo>
+                <a:close/>
+              </a:path>
+            </a:pathLst>
+          </a:custGeom>
+          <a:solidFill>
+            <a:srgbClr val="00E0C5"/>
+          </a:solidFill>
+        </p:spPr>
+        <p:txBody>
+          <a:bodyPr wrap="square" lIns="0" tIns="0" rIns="0" bIns="0" rtlCol="0">
+            <a:noAutofit/>
+          </a:bodyPr>
+          <a:lstStyle/>
+          <a:p>
+            <a:endParaRPr/>
+          </a:p>
+        </p:txBody>
+      </p:sp>
+      <p:sp>
+        <p:nvSpPr>
+          <p:cNvPr id="9" name="object 9"/>
+          <p:cNvSpPr/>
+          <p:nvPr/>
+        </p:nvSpPr>
+        <p:spPr>
+          <a:xfrm>
+            <a:off x="8763000" y="5578602"/>
+            <a:ext cx="381000" cy="234696"/>
+          </a:xfrm>
+          <a:custGeom>
+            <a:avLst/>
+            <a:gdLst/>
+            <a:ahLst/>
+            <a:cxnLst/>
+            <a:rect l="l" t="t" r="r" b="b"/>
+            <a:pathLst>
+              <a:path w="381000" h="234696">
+                <a:moveTo>
+                  <a:pt x="0" y="0"/>
+                </a:moveTo>
+                <a:lnTo>
+                  <a:pt x="134620" y="234696"/>
+                </a:lnTo>
+                <a:lnTo>
+                  <a:pt x="381000" y="234696"/>
+                </a:lnTo>
+              </a:path>
+            </a:pathLst>
+          </a:custGeom>
+          <a:ln w="9144">
+            <a:solidFill>
+              <a:srgbClr val="174669"/>
+            </a:solidFill>
+          </a:ln>
+        </p:spPr>
+        <p:txBody>
+          <a:bodyPr wrap="square" lIns="0" tIns="0" rIns="0" bIns="0" rtlCol="0">
+            <a:noAutofit/>
+          </a:bodyPr>
+          <a:lstStyle/>
+          <a:p>
+            <a:endParaRPr/>
+          </a:p>
+        </p:txBody>
+      </p:sp>
+      <p:sp>
+        <p:nvSpPr>
+          <p:cNvPr id="10" name="object 10"/>
+          <p:cNvSpPr/>
+          <p:nvPr/>
+        </p:nvSpPr>
+        <p:spPr>
+          <a:xfrm>
+            <a:off x="8763000" y="5343906"/>
+            <a:ext cx="381000" cy="234695"/>
+          </a:xfrm>
+          <a:custGeom>
+            <a:avLst/>
+            <a:gdLst/>
+            <a:ahLst/>
+            <a:cxnLst/>
+            <a:rect l="l" t="t" r="r" b="b"/>
+            <a:pathLst>
+              <a:path w="381000" h="234696">
+                <a:moveTo>
+                  <a:pt x="381000" y="0"/>
+                </a:moveTo>
+                <a:lnTo>
+                  <a:pt x="134620" y="0"/>
+                </a:lnTo>
+                <a:lnTo>
+                  <a:pt x="0" y="234696"/>
+                </a:lnTo>
+              </a:path>
+            </a:pathLst>
+          </a:custGeom>
+          <a:ln w="9144">
+            <a:solidFill>
+              <a:srgbClr val="174669"/>
+            </a:solidFill>
+          </a:ln>
+        </p:spPr>
+        <p:txBody>
+          <a:bodyPr wrap="square" lIns="0" tIns="0" rIns="0" bIns="0" rtlCol="0">
+            <a:noAutofit/>
+          </a:bodyPr>
+          <a:lstStyle/>
+          <a:p>
+            <a:endParaRPr/>
+          </a:p>
+        </p:txBody>
+      </p:sp>
+      <p:sp>
+        <p:nvSpPr>
+          <p:cNvPr id="11" name="object 11"/>
+          <p:cNvSpPr/>
+          <p:nvPr/>
+        </p:nvSpPr>
+        <p:spPr>
+          <a:xfrm>
+            <a:off x="8523731" y="5598414"/>
+            <a:ext cx="283464" cy="245364"/>
+          </a:xfrm>
+          <a:custGeom>
+            <a:avLst/>
+            <a:gdLst/>
+            <a:ahLst/>
+            <a:cxnLst/>
+            <a:rect l="l" t="t" r="r" b="b"/>
+            <a:pathLst>
+              <a:path w="283464" h="245363">
+                <a:moveTo>
+                  <a:pt x="213106" y="0"/>
+                </a:moveTo>
+                <a:lnTo>
+                  <a:pt x="70358" y="0"/>
+                </a:lnTo>
+                <a:lnTo>
+                  <a:pt x="0" y="122682"/>
+                </a:lnTo>
+                <a:lnTo>
+                  <a:pt x="70358" y="245364"/>
+                </a:lnTo>
+                <a:lnTo>
+                  <a:pt x="213106" y="245364"/>
+                </a:lnTo>
+                <a:lnTo>
+                  <a:pt x="283464" y="122682"/>
+                </a:lnTo>
+                <a:lnTo>
+                  <a:pt x="213106" y="0"/>
+                </a:lnTo>
+                <a:close/>
+              </a:path>
+            </a:pathLst>
+          </a:custGeom>
+          <a:solidFill>
+            <a:srgbClr val="3192E0"/>
+          </a:solidFill>
+        </p:spPr>
+        <p:txBody>
+          <a:bodyPr wrap="square" lIns="0" tIns="0" rIns="0" bIns="0" rtlCol="0">
+            <a:noAutofit/>
+          </a:bodyPr>
+          <a:lstStyle/>
+          <a:p>
+            <a:endParaRPr/>
+          </a:p>
+        </p:txBody>
+      </p:sp>
+      <p:sp>
+        <p:nvSpPr>
+          <p:cNvPr id="12" name="object 12"/>
+          <p:cNvSpPr/>
+          <p:nvPr/>
+        </p:nvSpPr>
+        <p:spPr>
+          <a:xfrm>
+            <a:off x="8322565" y="4485894"/>
+            <a:ext cx="542543" cy="469392"/>
+          </a:xfrm>
+          <a:custGeom>
+            <a:avLst/>
+            <a:gdLst/>
+            <a:ahLst/>
+            <a:cxnLst/>
+            <a:rect l="l" t="t" r="r" b="b"/>
+            <a:pathLst>
+              <a:path w="542543" h="469392">
+                <a:moveTo>
+                  <a:pt x="407924" y="0"/>
+                </a:moveTo>
+                <a:lnTo>
+                  <a:pt x="134619" y="0"/>
+                </a:lnTo>
+                <a:lnTo>
+                  <a:pt x="0" y="234695"/>
+                </a:lnTo>
+                <a:lnTo>
+                  <a:pt x="134619" y="469391"/>
+                </a:lnTo>
+                <a:lnTo>
+                  <a:pt x="407924" y="469391"/>
+                </a:lnTo>
+                <a:lnTo>
+                  <a:pt x="542543" y="234695"/>
+                </a:lnTo>
+                <a:lnTo>
+                  <a:pt x="407924" y="0"/>
+                </a:lnTo>
+                <a:close/>
+              </a:path>
+            </a:pathLst>
+          </a:custGeom>
+          <a:solidFill>
+            <a:srgbClr val="174669"/>
+          </a:solidFill>
+        </p:spPr>
+        <p:txBody>
+          <a:bodyPr wrap="square" lIns="0" tIns="0" rIns="0" bIns="0" rtlCol="0">
+            <a:noAutofit/>
+          </a:bodyPr>
+          <a:lstStyle/>
+          <a:p>
+            <a:endParaRPr/>
+          </a:p>
+        </p:txBody>
+      </p:sp>
+      <p:sp>
+        <p:nvSpPr>
+          <p:cNvPr id="13" name="object 13"/>
+          <p:cNvSpPr/>
+          <p:nvPr/>
+        </p:nvSpPr>
+        <p:spPr>
+          <a:xfrm>
+            <a:off x="8763761" y="4867655"/>
+            <a:ext cx="237744" cy="205740"/>
+          </a:xfrm>
+          <a:custGeom>
+            <a:avLst/>
+            <a:gdLst/>
+            <a:ahLst/>
+            <a:cxnLst/>
+            <a:rect l="l" t="t" r="r" b="b"/>
+            <a:pathLst>
+              <a:path w="237744" h="205739">
+                <a:moveTo>
+                  <a:pt x="0" y="102870"/>
+                </a:moveTo>
+                <a:lnTo>
+                  <a:pt x="59055" y="205740"/>
+                </a:lnTo>
+                <a:lnTo>
+                  <a:pt x="178689" y="205740"/>
+                </a:lnTo>
+                <a:lnTo>
+                  <a:pt x="237744" y="102870"/>
+                </a:lnTo>
+                <a:lnTo>
+                  <a:pt x="178689" y="0"/>
+                </a:lnTo>
+                <a:lnTo>
+                  <a:pt x="59055" y="0"/>
+                </a:lnTo>
+                <a:lnTo>
+                  <a:pt x="0" y="102870"/>
+                </a:lnTo>
+                <a:close/>
+              </a:path>
+            </a:pathLst>
+          </a:custGeom>
+          <a:ln w="19811">
+            <a:solidFill>
+              <a:srgbClr val="00E0C5"/>
+            </a:solidFill>
+          </a:ln>
+        </p:spPr>
+        <p:txBody>
+          <a:bodyPr wrap="square" lIns="0" tIns="0" rIns="0" bIns="0" rtlCol="0">
+            <a:noAutofit/>
+          </a:bodyPr>
+          <a:lstStyle/>
+          <a:p>
+            <a:endParaRPr/>
+          </a:p>
+        </p:txBody>
+      </p:sp>
+      <p:sp>
+        <p:nvSpPr>
+          <p:cNvPr id="14" name="object 14"/>
+          <p:cNvSpPr/>
+          <p:nvPr/>
+        </p:nvSpPr>
+        <p:spPr>
+          <a:xfrm>
+            <a:off x="909827" y="1533905"/>
+            <a:ext cx="2142744" cy="1856232"/>
+          </a:xfrm>
+          <a:prstGeom prst="rect">
+            <a:avLst/>
+          </a:prstGeom>
+          <a:blipFill>
+            <a:blip r:embed="rId4" cstate="print"/>
+            <a:stretch>
+              <a:fillRect/>
+            </a:stretch>
+          </a:blipFill>
+        </p:spPr>
+        <p:txBody>
+          <a:bodyPr wrap="square" lIns="0" tIns="0" rIns="0" bIns="0" rtlCol="0">
+            <a:noAutofit/>
+          </a:bodyPr>
+          <a:lstStyle/>
+          <a:p>
+            <a:endParaRPr/>
+          </a:p>
+        </p:txBody>
+      </p:sp>
+      <p:sp>
+        <p:nvSpPr>
+          <p:cNvPr id="15" name="object 15"/>
+          <p:cNvSpPr txBox="1"/>
+          <p:nvPr/>
+        </p:nvSpPr>
+        <p:spPr>
+          <a:xfrm>
+            <a:off x="3232150" y="1996821"/>
+            <a:ext cx="3932138" cy="1283335"/>
+          </a:xfrm>
+          <a:prstGeom prst="rect">
+            <a:avLst/>
+          </a:prstGeom>
+        </p:spPr>
+        <p:txBody>
+          <a:bodyPr vert="horz" wrap="square" lIns="0" tIns="0" rIns="0" bIns="0" rtlCol="0">
+            <a:noAutofit/>
+          </a:bodyPr>
+          <a:lstStyle/>
+          <a:p>
+            <a:pPr marL="12700"/>
+            <a:r>
+              <a:rPr sz="8000" b="1" dirty="0">
+                <a:solidFill>
+                  <a:srgbClr val="002060"/>
+                </a:solidFill>
+                <a:latin typeface="Calibri"/>
+                <a:cs typeface="Calibri"/>
+              </a:rPr>
+              <a:t>Gracias</a:t>
+            </a:r>
+          </a:p>
+        </p:txBody>
+      </p:sp>
+      <p:sp>
+        <p:nvSpPr>
+          <p:cNvPr id="16" name="object 16"/>
+          <p:cNvSpPr/>
+          <p:nvPr/>
+        </p:nvSpPr>
+        <p:spPr>
+          <a:xfrm>
+            <a:off x="1591055" y="2070353"/>
+            <a:ext cx="780288" cy="778764"/>
+          </a:xfrm>
+          <a:custGeom>
+            <a:avLst/>
+            <a:gdLst/>
+            <a:ahLst/>
+            <a:cxnLst/>
+            <a:rect l="l" t="t" r="r" b="b"/>
+            <a:pathLst>
+              <a:path w="780288" h="778764">
+                <a:moveTo>
+                  <a:pt x="410082" y="0"/>
+                </a:moveTo>
+                <a:lnTo>
+                  <a:pt x="370205" y="0"/>
+                </a:lnTo>
+                <a:lnTo>
+                  <a:pt x="311657" y="7493"/>
+                </a:lnTo>
+                <a:lnTo>
+                  <a:pt x="274193" y="17525"/>
+                </a:lnTo>
+                <a:lnTo>
+                  <a:pt x="255524" y="23622"/>
+                </a:lnTo>
+                <a:lnTo>
+                  <a:pt x="220599" y="38608"/>
+                </a:lnTo>
+                <a:lnTo>
+                  <a:pt x="204469" y="47371"/>
+                </a:lnTo>
+                <a:lnTo>
+                  <a:pt x="188213" y="56007"/>
+                </a:lnTo>
+                <a:lnTo>
+                  <a:pt x="142112" y="88392"/>
+                </a:lnTo>
+                <a:lnTo>
+                  <a:pt x="100964" y="128143"/>
+                </a:lnTo>
+                <a:lnTo>
+                  <a:pt x="66039" y="171704"/>
+                </a:lnTo>
+                <a:lnTo>
+                  <a:pt x="38735" y="220218"/>
+                </a:lnTo>
+                <a:lnTo>
+                  <a:pt x="17399" y="273685"/>
+                </a:lnTo>
+                <a:lnTo>
+                  <a:pt x="7493" y="311023"/>
+                </a:lnTo>
+                <a:lnTo>
+                  <a:pt x="2540" y="349631"/>
+                </a:lnTo>
+                <a:lnTo>
+                  <a:pt x="0" y="369570"/>
+                </a:lnTo>
+                <a:lnTo>
+                  <a:pt x="0" y="409321"/>
+                </a:lnTo>
+                <a:lnTo>
+                  <a:pt x="2540" y="429260"/>
+                </a:lnTo>
+                <a:lnTo>
+                  <a:pt x="4953" y="449072"/>
+                </a:lnTo>
+                <a:lnTo>
+                  <a:pt x="17399" y="505079"/>
+                </a:lnTo>
+                <a:lnTo>
+                  <a:pt x="38735" y="558546"/>
+                </a:lnTo>
+                <a:lnTo>
+                  <a:pt x="66039" y="607060"/>
+                </a:lnTo>
+                <a:lnTo>
+                  <a:pt x="100964" y="650621"/>
+                </a:lnTo>
+                <a:lnTo>
+                  <a:pt x="128396" y="677926"/>
+                </a:lnTo>
+                <a:lnTo>
+                  <a:pt x="172085" y="712851"/>
+                </a:lnTo>
+                <a:lnTo>
+                  <a:pt x="220599" y="740156"/>
+                </a:lnTo>
+                <a:lnTo>
+                  <a:pt x="274193" y="761365"/>
+                </a:lnTo>
+                <a:lnTo>
+                  <a:pt x="311657" y="771271"/>
+                </a:lnTo>
+                <a:lnTo>
+                  <a:pt x="370205" y="778764"/>
+                </a:lnTo>
+                <a:lnTo>
+                  <a:pt x="410082" y="778764"/>
+                </a:lnTo>
+                <a:lnTo>
+                  <a:pt x="449961" y="773811"/>
+                </a:lnTo>
+                <a:lnTo>
+                  <a:pt x="506094" y="761365"/>
+                </a:lnTo>
+                <a:lnTo>
+                  <a:pt x="559562" y="740156"/>
+                </a:lnTo>
+                <a:lnTo>
+                  <a:pt x="608202" y="712851"/>
+                </a:lnTo>
+                <a:lnTo>
+                  <a:pt x="651891" y="677926"/>
+                </a:lnTo>
+                <a:lnTo>
+                  <a:pt x="679323" y="650621"/>
+                </a:lnTo>
+                <a:lnTo>
+                  <a:pt x="682664" y="646938"/>
+                </a:lnTo>
+                <a:lnTo>
+                  <a:pt x="390144" y="646938"/>
+                </a:lnTo>
+                <a:lnTo>
+                  <a:pt x="361442" y="645668"/>
+                </a:lnTo>
+                <a:lnTo>
+                  <a:pt x="306705" y="634492"/>
+                </a:lnTo>
+                <a:lnTo>
+                  <a:pt x="254254" y="613283"/>
+                </a:lnTo>
+                <a:lnTo>
+                  <a:pt x="206882" y="582168"/>
+                </a:lnTo>
+                <a:lnTo>
+                  <a:pt x="183261" y="558546"/>
+                </a:lnTo>
+                <a:lnTo>
+                  <a:pt x="180720" y="554863"/>
+                </a:lnTo>
+                <a:lnTo>
+                  <a:pt x="179450" y="549910"/>
+                </a:lnTo>
+                <a:lnTo>
+                  <a:pt x="178307" y="544830"/>
+                </a:lnTo>
+                <a:lnTo>
+                  <a:pt x="179450" y="541147"/>
+                </a:lnTo>
+                <a:lnTo>
+                  <a:pt x="180720" y="536194"/>
+                </a:lnTo>
+                <a:lnTo>
+                  <a:pt x="203200" y="520065"/>
+                </a:lnTo>
+                <a:lnTo>
+                  <a:pt x="757766" y="520065"/>
+                </a:lnTo>
+                <a:lnTo>
+                  <a:pt x="762762" y="505079"/>
+                </a:lnTo>
+                <a:lnTo>
+                  <a:pt x="767842" y="486410"/>
+                </a:lnTo>
+                <a:lnTo>
+                  <a:pt x="772794" y="467741"/>
+                </a:lnTo>
+                <a:lnTo>
+                  <a:pt x="775335" y="449072"/>
+                </a:lnTo>
+                <a:lnTo>
+                  <a:pt x="775938" y="444119"/>
+                </a:lnTo>
+                <a:lnTo>
+                  <a:pt x="230631" y="444119"/>
+                </a:lnTo>
+                <a:lnTo>
+                  <a:pt x="221869" y="442849"/>
+                </a:lnTo>
+                <a:lnTo>
+                  <a:pt x="189483" y="414274"/>
+                </a:lnTo>
+                <a:lnTo>
+                  <a:pt x="185800" y="395605"/>
+                </a:lnTo>
+                <a:lnTo>
+                  <a:pt x="186944" y="385699"/>
+                </a:lnTo>
+                <a:lnTo>
+                  <a:pt x="213106" y="350774"/>
+                </a:lnTo>
+                <a:lnTo>
+                  <a:pt x="230631" y="347091"/>
+                </a:lnTo>
+                <a:lnTo>
+                  <a:pt x="777440" y="347091"/>
+                </a:lnTo>
+                <a:lnTo>
+                  <a:pt x="775335" y="329692"/>
+                </a:lnTo>
+                <a:lnTo>
+                  <a:pt x="762762" y="273685"/>
+                </a:lnTo>
+                <a:lnTo>
+                  <a:pt x="741552" y="220218"/>
+                </a:lnTo>
+                <a:lnTo>
+                  <a:pt x="714248" y="171704"/>
+                </a:lnTo>
+                <a:lnTo>
+                  <a:pt x="679323" y="128143"/>
+                </a:lnTo>
+                <a:lnTo>
+                  <a:pt x="651891" y="100837"/>
+                </a:lnTo>
+                <a:lnTo>
+                  <a:pt x="608202" y="65912"/>
+                </a:lnTo>
+                <a:lnTo>
+                  <a:pt x="559562" y="38608"/>
+                </a:lnTo>
+                <a:lnTo>
+                  <a:pt x="506094" y="17525"/>
+                </a:lnTo>
+                <a:lnTo>
+                  <a:pt x="468630" y="7493"/>
+                </a:lnTo>
+                <a:lnTo>
+                  <a:pt x="410082" y="0"/>
+                </a:lnTo>
+                <a:close/>
+              </a:path>
+              <a:path w="780288" h="778764">
+                <a:moveTo>
+                  <a:pt x="757766" y="520065"/>
+                </a:moveTo>
+                <a:lnTo>
+                  <a:pt x="577088" y="520065"/>
+                </a:lnTo>
+                <a:lnTo>
+                  <a:pt x="582041" y="521208"/>
+                </a:lnTo>
+                <a:lnTo>
+                  <a:pt x="585851" y="522478"/>
+                </a:lnTo>
+                <a:lnTo>
+                  <a:pt x="600710" y="541147"/>
+                </a:lnTo>
+                <a:lnTo>
+                  <a:pt x="601980" y="544830"/>
+                </a:lnTo>
+                <a:lnTo>
+                  <a:pt x="600710" y="549910"/>
+                </a:lnTo>
+                <a:lnTo>
+                  <a:pt x="599567" y="554863"/>
+                </a:lnTo>
+                <a:lnTo>
+                  <a:pt x="597026" y="558546"/>
+                </a:lnTo>
+                <a:lnTo>
+                  <a:pt x="550926" y="599694"/>
+                </a:lnTo>
+                <a:lnTo>
+                  <a:pt x="501142" y="625729"/>
+                </a:lnTo>
+                <a:lnTo>
+                  <a:pt x="447420" y="641858"/>
+                </a:lnTo>
+                <a:lnTo>
+                  <a:pt x="390144" y="646938"/>
+                </a:lnTo>
+                <a:lnTo>
+                  <a:pt x="682664" y="646938"/>
+                </a:lnTo>
+                <a:lnTo>
+                  <a:pt x="714248" y="607060"/>
+                </a:lnTo>
+                <a:lnTo>
+                  <a:pt x="741552" y="558546"/>
+                </a:lnTo>
+                <a:lnTo>
+                  <a:pt x="756538" y="523748"/>
+                </a:lnTo>
+                <a:lnTo>
+                  <a:pt x="757766" y="520065"/>
+                </a:lnTo>
+                <a:close/>
+              </a:path>
+              <a:path w="780288" h="778764">
+                <a:moveTo>
+                  <a:pt x="577088" y="520065"/>
+                </a:moveTo>
+                <a:lnTo>
+                  <a:pt x="203200" y="520065"/>
+                </a:lnTo>
+                <a:lnTo>
+                  <a:pt x="208152" y="521208"/>
+                </a:lnTo>
+                <a:lnTo>
+                  <a:pt x="213106" y="522478"/>
+                </a:lnTo>
+                <a:lnTo>
+                  <a:pt x="216916" y="525018"/>
+                </a:lnTo>
+                <a:lnTo>
+                  <a:pt x="220599" y="527431"/>
+                </a:lnTo>
+                <a:lnTo>
+                  <a:pt x="239394" y="543687"/>
+                </a:lnTo>
+                <a:lnTo>
+                  <a:pt x="278002" y="569849"/>
+                </a:lnTo>
+                <a:lnTo>
+                  <a:pt x="320294" y="587248"/>
+                </a:lnTo>
+                <a:lnTo>
+                  <a:pt x="366521" y="595884"/>
+                </a:lnTo>
+                <a:lnTo>
+                  <a:pt x="390144" y="597154"/>
+                </a:lnTo>
+                <a:lnTo>
+                  <a:pt x="413766" y="595884"/>
+                </a:lnTo>
+                <a:lnTo>
+                  <a:pt x="459994" y="587248"/>
+                </a:lnTo>
+                <a:lnTo>
+                  <a:pt x="502285" y="569849"/>
+                </a:lnTo>
+                <a:lnTo>
+                  <a:pt x="540893" y="543687"/>
+                </a:lnTo>
+                <a:lnTo>
+                  <a:pt x="559562" y="527431"/>
+                </a:lnTo>
+                <a:lnTo>
+                  <a:pt x="563371" y="525018"/>
+                </a:lnTo>
+                <a:lnTo>
+                  <a:pt x="567182" y="522478"/>
+                </a:lnTo>
+                <a:lnTo>
+                  <a:pt x="572135" y="521208"/>
+                </a:lnTo>
+                <a:lnTo>
+                  <a:pt x="577088" y="520065"/>
+                </a:lnTo>
+                <a:close/>
+              </a:path>
+              <a:path w="780288" h="778764">
+                <a:moveTo>
+                  <a:pt x="549656" y="347091"/>
+                </a:moveTo>
+                <a:lnTo>
+                  <a:pt x="230631" y="347091"/>
+                </a:lnTo>
+                <a:lnTo>
+                  <a:pt x="239394" y="348361"/>
+                </a:lnTo>
+                <a:lnTo>
+                  <a:pt x="248031" y="350774"/>
+                </a:lnTo>
+                <a:lnTo>
+                  <a:pt x="255524" y="355854"/>
+                </a:lnTo>
+                <a:lnTo>
+                  <a:pt x="263017" y="360807"/>
+                </a:lnTo>
+                <a:lnTo>
+                  <a:pt x="267969" y="368300"/>
+                </a:lnTo>
+                <a:lnTo>
+                  <a:pt x="271780" y="376936"/>
+                </a:lnTo>
+                <a:lnTo>
+                  <a:pt x="274193" y="385699"/>
+                </a:lnTo>
+                <a:lnTo>
+                  <a:pt x="275463" y="395605"/>
+                </a:lnTo>
+                <a:lnTo>
+                  <a:pt x="274193" y="405638"/>
+                </a:lnTo>
+                <a:lnTo>
+                  <a:pt x="248031" y="440436"/>
+                </a:lnTo>
+                <a:lnTo>
+                  <a:pt x="230631" y="444119"/>
+                </a:lnTo>
+                <a:lnTo>
+                  <a:pt x="549656" y="444119"/>
+                </a:lnTo>
+                <a:lnTo>
+                  <a:pt x="512318" y="423037"/>
+                </a:lnTo>
+                <a:lnTo>
+                  <a:pt x="504825" y="395605"/>
+                </a:lnTo>
+                <a:lnTo>
+                  <a:pt x="506094" y="385699"/>
+                </a:lnTo>
+                <a:lnTo>
+                  <a:pt x="508507" y="376936"/>
+                </a:lnTo>
+                <a:lnTo>
+                  <a:pt x="512318" y="368300"/>
+                </a:lnTo>
+                <a:lnTo>
+                  <a:pt x="517270" y="360807"/>
+                </a:lnTo>
+                <a:lnTo>
+                  <a:pt x="524763" y="355854"/>
+                </a:lnTo>
+                <a:lnTo>
+                  <a:pt x="532257" y="350774"/>
+                </a:lnTo>
+                <a:lnTo>
+                  <a:pt x="540893" y="348361"/>
+                </a:lnTo>
+                <a:lnTo>
+                  <a:pt x="549656" y="347091"/>
+                </a:lnTo>
+                <a:close/>
+              </a:path>
+              <a:path w="780288" h="778764">
+                <a:moveTo>
+                  <a:pt x="777440" y="347091"/>
+                </a:moveTo>
+                <a:lnTo>
+                  <a:pt x="549656" y="347091"/>
+                </a:lnTo>
+                <a:lnTo>
+                  <a:pt x="558419" y="348361"/>
+                </a:lnTo>
+                <a:lnTo>
+                  <a:pt x="567182" y="350774"/>
+                </a:lnTo>
+                <a:lnTo>
+                  <a:pt x="593344" y="385699"/>
+                </a:lnTo>
+                <a:lnTo>
+                  <a:pt x="594487" y="395605"/>
+                </a:lnTo>
+                <a:lnTo>
+                  <a:pt x="593344" y="405638"/>
+                </a:lnTo>
+                <a:lnTo>
+                  <a:pt x="567182" y="440436"/>
+                </a:lnTo>
+                <a:lnTo>
+                  <a:pt x="549656" y="444119"/>
+                </a:lnTo>
+                <a:lnTo>
+                  <a:pt x="775938" y="444119"/>
+                </a:lnTo>
+                <a:lnTo>
+                  <a:pt x="777748" y="429260"/>
+                </a:lnTo>
+                <a:lnTo>
+                  <a:pt x="780288" y="409321"/>
+                </a:lnTo>
+                <a:lnTo>
+                  <a:pt x="780288" y="369570"/>
+                </a:lnTo>
+                <a:lnTo>
+                  <a:pt x="777748" y="349631"/>
+                </a:lnTo>
+                <a:lnTo>
+                  <a:pt x="777440" y="347091"/>
+                </a:lnTo>
+                <a:close/>
+              </a:path>
+            </a:pathLst>
+          </a:custGeom>
+          <a:solidFill>
+            <a:srgbClr val="FFFFFF"/>
+          </a:solidFill>
+        </p:spPr>
+        <p:txBody>
+          <a:bodyPr wrap="square" lIns="0" tIns="0" rIns="0" bIns="0" rtlCol="0">
+            <a:noAutofit/>
+          </a:bodyPr>
+          <a:lstStyle/>
+          <a:p>
+            <a:endParaRPr/>
+          </a:p>
+        </p:txBody>
+      </p:sp>
+    </p:spTree>
   </p:cSld>
   <p:clrMapOvr>
     <a:masterClrMapping/>
@@ -15536,1203 +16222,6 @@
 </p:sld>
 </file>
 
-<file path=ppt/slides/slide20.xml><?xml version="1.0" encoding="utf-8"?>
-<p:sld xmlns:a="http://schemas.openxmlformats.org/drawingml/2006/main" xmlns:r="http://schemas.openxmlformats.org/officeDocument/2006/relationships" xmlns:p="http://schemas.openxmlformats.org/presentationml/2006/main">
-  <p:cSld>
-    <p:spTree>
-      <p:nvGrpSpPr>
-        <p:cNvPr id="1" name=""/>
-        <p:cNvGrpSpPr/>
-        <p:nvPr/>
-      </p:nvGrpSpPr>
-      <p:grpSpPr>
-        <a:xfrm>
-          <a:off x="0" y="0"/>
-          <a:ext cx="0" cy="0"/>
-          <a:chOff x="0" y="0"/>
-          <a:chExt cx="0" cy="0"/>
-        </a:xfrm>
-      </p:grpSpPr>
-      <p:sp>
-        <p:nvSpPr>
-          <p:cNvPr id="2" name="object 2"/>
-          <p:cNvSpPr/>
-          <p:nvPr/>
-        </p:nvSpPr>
-        <p:spPr>
-          <a:xfrm>
-            <a:off x="8218931" y="4978146"/>
-            <a:ext cx="684276" cy="594360"/>
-          </a:xfrm>
-          <a:prstGeom prst="rect">
-            <a:avLst/>
-          </a:prstGeom>
-          <a:blipFill>
-            <a:blip r:embed="rId2" cstate="print"/>
-            <a:stretch>
-              <a:fillRect/>
-            </a:stretch>
-          </a:blipFill>
-        </p:spPr>
-        <p:txBody>
-          <a:bodyPr wrap="square" lIns="0" tIns="0" rIns="0" bIns="0" rtlCol="0">
-            <a:noAutofit/>
-          </a:bodyPr>
-          <a:lstStyle/>
-          <a:p>
-            <a:endParaRPr/>
-          </a:p>
-        </p:txBody>
-      </p:sp>
-      <p:sp>
-        <p:nvSpPr>
-          <p:cNvPr id="3" name="object 3"/>
-          <p:cNvSpPr/>
-          <p:nvPr/>
-        </p:nvSpPr>
-        <p:spPr>
-          <a:xfrm>
-            <a:off x="315468" y="1035558"/>
-            <a:ext cx="1089660" cy="943355"/>
-          </a:xfrm>
-          <a:prstGeom prst="rect">
-            <a:avLst/>
-          </a:prstGeom>
-          <a:blipFill>
-            <a:blip r:embed="rId3" cstate="print"/>
-            <a:stretch>
-              <a:fillRect/>
-            </a:stretch>
-          </a:blipFill>
-        </p:spPr>
-        <p:txBody>
-          <a:bodyPr wrap="square" lIns="0" tIns="0" rIns="0" bIns="0" rtlCol="0">
-            <a:noAutofit/>
-          </a:bodyPr>
-          <a:lstStyle/>
-          <a:p>
-            <a:endParaRPr/>
-          </a:p>
-        </p:txBody>
-      </p:sp>
-      <p:sp>
-        <p:nvSpPr>
-          <p:cNvPr id="4" name="object 4"/>
-          <p:cNvSpPr/>
-          <p:nvPr/>
-        </p:nvSpPr>
-        <p:spPr>
-          <a:xfrm>
-            <a:off x="0" y="1704595"/>
-            <a:ext cx="550164" cy="585215"/>
-          </a:xfrm>
-          <a:custGeom>
-            <a:avLst/>
-            <a:gdLst/>
-            <a:ahLst/>
-            <a:cxnLst/>
-            <a:rect l="l" t="t" r="r" b="b"/>
-            <a:pathLst>
-              <a:path w="550164" h="585215">
-                <a:moveTo>
-                  <a:pt x="0" y="507832"/>
-                </a:moveTo>
-                <a:lnTo>
-                  <a:pt x="44383" y="585215"/>
-                </a:lnTo>
-                <a:lnTo>
-                  <a:pt x="382333" y="585215"/>
-                </a:lnTo>
-                <a:lnTo>
-                  <a:pt x="550164" y="292607"/>
-                </a:lnTo>
-                <a:lnTo>
-                  <a:pt x="382333" y="0"/>
-                </a:lnTo>
-                <a:lnTo>
-                  <a:pt x="44383" y="0"/>
-                </a:lnTo>
-                <a:lnTo>
-                  <a:pt x="0" y="77383"/>
-                </a:lnTo>
-              </a:path>
-            </a:pathLst>
-          </a:custGeom>
-          <a:ln w="9144">
-            <a:solidFill>
-              <a:srgbClr val="18BAD4"/>
-            </a:solidFill>
-          </a:ln>
-        </p:spPr>
-        <p:txBody>
-          <a:bodyPr wrap="square" lIns="0" tIns="0" rIns="0" bIns="0" rtlCol="0">
-            <a:noAutofit/>
-          </a:bodyPr>
-          <a:lstStyle/>
-          <a:p>
-            <a:endParaRPr/>
-          </a:p>
-        </p:txBody>
-      </p:sp>
-      <p:sp>
-        <p:nvSpPr>
-          <p:cNvPr id="5" name="object 5"/>
-          <p:cNvSpPr/>
-          <p:nvPr/>
-        </p:nvSpPr>
-        <p:spPr>
-          <a:xfrm>
-            <a:off x="502920" y="2018538"/>
-            <a:ext cx="353567" cy="306324"/>
-          </a:xfrm>
-          <a:custGeom>
-            <a:avLst/>
-            <a:gdLst/>
-            <a:ahLst/>
-            <a:cxnLst/>
-            <a:rect l="l" t="t" r="r" b="b"/>
-            <a:pathLst>
-              <a:path w="353568" h="306324">
-                <a:moveTo>
-                  <a:pt x="265722" y="0"/>
-                </a:moveTo>
-                <a:lnTo>
-                  <a:pt x="87845" y="0"/>
-                </a:lnTo>
-                <a:lnTo>
-                  <a:pt x="0" y="153162"/>
-                </a:lnTo>
-                <a:lnTo>
-                  <a:pt x="87845" y="306324"/>
-                </a:lnTo>
-                <a:lnTo>
-                  <a:pt x="265722" y="306324"/>
-                </a:lnTo>
-                <a:lnTo>
-                  <a:pt x="353567" y="153162"/>
-                </a:lnTo>
-                <a:lnTo>
-                  <a:pt x="265722" y="0"/>
-                </a:lnTo>
-                <a:close/>
-              </a:path>
-            </a:pathLst>
-          </a:custGeom>
-          <a:solidFill>
-            <a:srgbClr val="174669"/>
-          </a:solidFill>
-        </p:spPr>
-        <p:txBody>
-          <a:bodyPr wrap="square" lIns="0" tIns="0" rIns="0" bIns="0" rtlCol="0">
-            <a:noAutofit/>
-          </a:bodyPr>
-          <a:lstStyle/>
-          <a:p>
-            <a:endParaRPr/>
-          </a:p>
-        </p:txBody>
-      </p:sp>
-      <p:sp>
-        <p:nvSpPr>
-          <p:cNvPr id="6" name="object 6"/>
-          <p:cNvSpPr/>
-          <p:nvPr/>
-        </p:nvSpPr>
-        <p:spPr>
-          <a:xfrm>
-            <a:off x="1208533" y="857251"/>
-            <a:ext cx="673607" cy="452627"/>
-          </a:xfrm>
-          <a:custGeom>
-            <a:avLst/>
-            <a:gdLst/>
-            <a:ahLst/>
-            <a:cxnLst/>
-            <a:rect l="l" t="t" r="r" b="b"/>
-            <a:pathLst>
-              <a:path w="673607" h="452627">
-                <a:moveTo>
-                  <a:pt x="0" y="160781"/>
-                </a:moveTo>
-                <a:lnTo>
-                  <a:pt x="167386" y="452627"/>
-                </a:lnTo>
-                <a:lnTo>
-                  <a:pt x="506222" y="452627"/>
-                </a:lnTo>
-                <a:lnTo>
-                  <a:pt x="673607" y="160781"/>
-                </a:lnTo>
-                <a:lnTo>
-                  <a:pt x="581393" y="0"/>
-                </a:lnTo>
-              </a:path>
-            </a:pathLst>
-          </a:custGeom>
-          <a:ln w="76200">
-            <a:solidFill>
-              <a:srgbClr val="174669"/>
-            </a:solidFill>
-          </a:ln>
-        </p:spPr>
-        <p:txBody>
-          <a:bodyPr wrap="square" lIns="0" tIns="0" rIns="0" bIns="0" rtlCol="0">
-            <a:noAutofit/>
-          </a:bodyPr>
-          <a:lstStyle/>
-          <a:p>
-            <a:endParaRPr/>
-          </a:p>
-        </p:txBody>
-      </p:sp>
-      <p:sp>
-        <p:nvSpPr>
-          <p:cNvPr id="7" name="object 7"/>
-          <p:cNvSpPr/>
-          <p:nvPr/>
-        </p:nvSpPr>
-        <p:spPr>
-          <a:xfrm>
-            <a:off x="1208532" y="857251"/>
-            <a:ext cx="92214" cy="160781"/>
-          </a:xfrm>
-          <a:custGeom>
-            <a:avLst/>
-            <a:gdLst/>
-            <a:ahLst/>
-            <a:cxnLst/>
-            <a:rect l="l" t="t" r="r" b="b"/>
-            <a:pathLst>
-              <a:path w="92214" h="160781">
-                <a:moveTo>
-                  <a:pt x="92214" y="0"/>
-                </a:moveTo>
-                <a:lnTo>
-                  <a:pt x="0" y="160781"/>
-                </a:lnTo>
-              </a:path>
-            </a:pathLst>
-          </a:custGeom>
-          <a:ln w="76199">
-            <a:solidFill>
-              <a:srgbClr val="174669"/>
-            </a:solidFill>
-          </a:ln>
-        </p:spPr>
-        <p:txBody>
-          <a:bodyPr wrap="square" lIns="0" tIns="0" rIns="0" bIns="0" rtlCol="0">
-            <a:noAutofit/>
-          </a:bodyPr>
-          <a:lstStyle/>
-          <a:p>
-            <a:endParaRPr/>
-          </a:p>
-        </p:txBody>
-      </p:sp>
-      <p:sp>
-        <p:nvSpPr>
-          <p:cNvPr id="8" name="object 8"/>
-          <p:cNvSpPr/>
-          <p:nvPr/>
-        </p:nvSpPr>
-        <p:spPr>
-          <a:xfrm>
-            <a:off x="248411" y="907542"/>
-            <a:ext cx="294132" cy="254508"/>
-          </a:xfrm>
-          <a:custGeom>
-            <a:avLst/>
-            <a:gdLst/>
-            <a:ahLst/>
-            <a:cxnLst/>
-            <a:rect l="l" t="t" r="r" b="b"/>
-            <a:pathLst>
-              <a:path w="294131" h="254508">
-                <a:moveTo>
-                  <a:pt x="221145" y="0"/>
-                </a:moveTo>
-                <a:lnTo>
-                  <a:pt x="72986" y="0"/>
-                </a:lnTo>
-                <a:lnTo>
-                  <a:pt x="0" y="127254"/>
-                </a:lnTo>
-                <a:lnTo>
-                  <a:pt x="72986" y="254508"/>
-                </a:lnTo>
-                <a:lnTo>
-                  <a:pt x="221145" y="254508"/>
-                </a:lnTo>
-                <a:lnTo>
-                  <a:pt x="294132" y="127254"/>
-                </a:lnTo>
-                <a:lnTo>
-                  <a:pt x="221145" y="0"/>
-                </a:lnTo>
-                <a:close/>
-              </a:path>
-            </a:pathLst>
-          </a:custGeom>
-          <a:solidFill>
-            <a:srgbClr val="00E0C5"/>
-          </a:solidFill>
-        </p:spPr>
-        <p:txBody>
-          <a:bodyPr wrap="square" lIns="0" tIns="0" rIns="0" bIns="0" rtlCol="0">
-            <a:noAutofit/>
-          </a:bodyPr>
-          <a:lstStyle/>
-          <a:p>
-            <a:endParaRPr/>
-          </a:p>
-        </p:txBody>
-      </p:sp>
-      <p:sp>
-        <p:nvSpPr>
-          <p:cNvPr id="9" name="object 9"/>
-          <p:cNvSpPr/>
-          <p:nvPr/>
-        </p:nvSpPr>
-        <p:spPr>
-          <a:xfrm>
-            <a:off x="8763000" y="5578602"/>
-            <a:ext cx="381000" cy="234696"/>
-          </a:xfrm>
-          <a:custGeom>
-            <a:avLst/>
-            <a:gdLst/>
-            <a:ahLst/>
-            <a:cxnLst/>
-            <a:rect l="l" t="t" r="r" b="b"/>
-            <a:pathLst>
-              <a:path w="381000" h="234696">
-                <a:moveTo>
-                  <a:pt x="0" y="0"/>
-                </a:moveTo>
-                <a:lnTo>
-                  <a:pt x="134620" y="234696"/>
-                </a:lnTo>
-                <a:lnTo>
-                  <a:pt x="381000" y="234696"/>
-                </a:lnTo>
-              </a:path>
-            </a:pathLst>
-          </a:custGeom>
-          <a:ln w="9144">
-            <a:solidFill>
-              <a:srgbClr val="174669"/>
-            </a:solidFill>
-          </a:ln>
-        </p:spPr>
-        <p:txBody>
-          <a:bodyPr wrap="square" lIns="0" tIns="0" rIns="0" bIns="0" rtlCol="0">
-            <a:noAutofit/>
-          </a:bodyPr>
-          <a:lstStyle/>
-          <a:p>
-            <a:endParaRPr/>
-          </a:p>
-        </p:txBody>
-      </p:sp>
-      <p:sp>
-        <p:nvSpPr>
-          <p:cNvPr id="10" name="object 10"/>
-          <p:cNvSpPr/>
-          <p:nvPr/>
-        </p:nvSpPr>
-        <p:spPr>
-          <a:xfrm>
-            <a:off x="8763000" y="5343906"/>
-            <a:ext cx="381000" cy="234695"/>
-          </a:xfrm>
-          <a:custGeom>
-            <a:avLst/>
-            <a:gdLst/>
-            <a:ahLst/>
-            <a:cxnLst/>
-            <a:rect l="l" t="t" r="r" b="b"/>
-            <a:pathLst>
-              <a:path w="381000" h="234696">
-                <a:moveTo>
-                  <a:pt x="381000" y="0"/>
-                </a:moveTo>
-                <a:lnTo>
-                  <a:pt x="134620" y="0"/>
-                </a:lnTo>
-                <a:lnTo>
-                  <a:pt x="0" y="234696"/>
-                </a:lnTo>
-              </a:path>
-            </a:pathLst>
-          </a:custGeom>
-          <a:ln w="9144">
-            <a:solidFill>
-              <a:srgbClr val="174669"/>
-            </a:solidFill>
-          </a:ln>
-        </p:spPr>
-        <p:txBody>
-          <a:bodyPr wrap="square" lIns="0" tIns="0" rIns="0" bIns="0" rtlCol="0">
-            <a:noAutofit/>
-          </a:bodyPr>
-          <a:lstStyle/>
-          <a:p>
-            <a:endParaRPr/>
-          </a:p>
-        </p:txBody>
-      </p:sp>
-      <p:sp>
-        <p:nvSpPr>
-          <p:cNvPr id="11" name="object 11"/>
-          <p:cNvSpPr/>
-          <p:nvPr/>
-        </p:nvSpPr>
-        <p:spPr>
-          <a:xfrm>
-            <a:off x="8523731" y="5598414"/>
-            <a:ext cx="283464" cy="245364"/>
-          </a:xfrm>
-          <a:custGeom>
-            <a:avLst/>
-            <a:gdLst/>
-            <a:ahLst/>
-            <a:cxnLst/>
-            <a:rect l="l" t="t" r="r" b="b"/>
-            <a:pathLst>
-              <a:path w="283464" h="245363">
-                <a:moveTo>
-                  <a:pt x="213106" y="0"/>
-                </a:moveTo>
-                <a:lnTo>
-                  <a:pt x="70358" y="0"/>
-                </a:lnTo>
-                <a:lnTo>
-                  <a:pt x="0" y="122682"/>
-                </a:lnTo>
-                <a:lnTo>
-                  <a:pt x="70358" y="245364"/>
-                </a:lnTo>
-                <a:lnTo>
-                  <a:pt x="213106" y="245364"/>
-                </a:lnTo>
-                <a:lnTo>
-                  <a:pt x="283464" y="122682"/>
-                </a:lnTo>
-                <a:lnTo>
-                  <a:pt x="213106" y="0"/>
-                </a:lnTo>
-                <a:close/>
-              </a:path>
-            </a:pathLst>
-          </a:custGeom>
-          <a:solidFill>
-            <a:srgbClr val="3192E0"/>
-          </a:solidFill>
-        </p:spPr>
-        <p:txBody>
-          <a:bodyPr wrap="square" lIns="0" tIns="0" rIns="0" bIns="0" rtlCol="0">
-            <a:noAutofit/>
-          </a:bodyPr>
-          <a:lstStyle/>
-          <a:p>
-            <a:endParaRPr/>
-          </a:p>
-        </p:txBody>
-      </p:sp>
-      <p:sp>
-        <p:nvSpPr>
-          <p:cNvPr id="12" name="object 12"/>
-          <p:cNvSpPr/>
-          <p:nvPr/>
-        </p:nvSpPr>
-        <p:spPr>
-          <a:xfrm>
-            <a:off x="8322565" y="4485894"/>
-            <a:ext cx="542543" cy="469392"/>
-          </a:xfrm>
-          <a:custGeom>
-            <a:avLst/>
-            <a:gdLst/>
-            <a:ahLst/>
-            <a:cxnLst/>
-            <a:rect l="l" t="t" r="r" b="b"/>
-            <a:pathLst>
-              <a:path w="542543" h="469392">
-                <a:moveTo>
-                  <a:pt x="407924" y="0"/>
-                </a:moveTo>
-                <a:lnTo>
-                  <a:pt x="134619" y="0"/>
-                </a:lnTo>
-                <a:lnTo>
-                  <a:pt x="0" y="234695"/>
-                </a:lnTo>
-                <a:lnTo>
-                  <a:pt x="134619" y="469391"/>
-                </a:lnTo>
-                <a:lnTo>
-                  <a:pt x="407924" y="469391"/>
-                </a:lnTo>
-                <a:lnTo>
-                  <a:pt x="542543" y="234695"/>
-                </a:lnTo>
-                <a:lnTo>
-                  <a:pt x="407924" y="0"/>
-                </a:lnTo>
-                <a:close/>
-              </a:path>
-            </a:pathLst>
-          </a:custGeom>
-          <a:solidFill>
-            <a:srgbClr val="174669"/>
-          </a:solidFill>
-        </p:spPr>
-        <p:txBody>
-          <a:bodyPr wrap="square" lIns="0" tIns="0" rIns="0" bIns="0" rtlCol="0">
-            <a:noAutofit/>
-          </a:bodyPr>
-          <a:lstStyle/>
-          <a:p>
-            <a:endParaRPr/>
-          </a:p>
-        </p:txBody>
-      </p:sp>
-      <p:sp>
-        <p:nvSpPr>
-          <p:cNvPr id="13" name="object 13"/>
-          <p:cNvSpPr/>
-          <p:nvPr/>
-        </p:nvSpPr>
-        <p:spPr>
-          <a:xfrm>
-            <a:off x="8763761" y="4867655"/>
-            <a:ext cx="237744" cy="205740"/>
-          </a:xfrm>
-          <a:custGeom>
-            <a:avLst/>
-            <a:gdLst/>
-            <a:ahLst/>
-            <a:cxnLst/>
-            <a:rect l="l" t="t" r="r" b="b"/>
-            <a:pathLst>
-              <a:path w="237744" h="205739">
-                <a:moveTo>
-                  <a:pt x="0" y="102870"/>
-                </a:moveTo>
-                <a:lnTo>
-                  <a:pt x="59055" y="205740"/>
-                </a:lnTo>
-                <a:lnTo>
-                  <a:pt x="178689" y="205740"/>
-                </a:lnTo>
-                <a:lnTo>
-                  <a:pt x="237744" y="102870"/>
-                </a:lnTo>
-                <a:lnTo>
-                  <a:pt x="178689" y="0"/>
-                </a:lnTo>
-                <a:lnTo>
-                  <a:pt x="59055" y="0"/>
-                </a:lnTo>
-                <a:lnTo>
-                  <a:pt x="0" y="102870"/>
-                </a:lnTo>
-                <a:close/>
-              </a:path>
-            </a:pathLst>
-          </a:custGeom>
-          <a:ln w="19811">
-            <a:solidFill>
-              <a:srgbClr val="00E0C5"/>
-            </a:solidFill>
-          </a:ln>
-        </p:spPr>
-        <p:txBody>
-          <a:bodyPr wrap="square" lIns="0" tIns="0" rIns="0" bIns="0" rtlCol="0">
-            <a:noAutofit/>
-          </a:bodyPr>
-          <a:lstStyle/>
-          <a:p>
-            <a:endParaRPr/>
-          </a:p>
-        </p:txBody>
-      </p:sp>
-      <p:sp>
-        <p:nvSpPr>
-          <p:cNvPr id="14" name="object 14"/>
-          <p:cNvSpPr/>
-          <p:nvPr/>
-        </p:nvSpPr>
-        <p:spPr>
-          <a:xfrm>
-            <a:off x="909827" y="1533905"/>
-            <a:ext cx="2142744" cy="1856232"/>
-          </a:xfrm>
-          <a:prstGeom prst="rect">
-            <a:avLst/>
-          </a:prstGeom>
-          <a:blipFill>
-            <a:blip r:embed="rId4" cstate="print"/>
-            <a:stretch>
-              <a:fillRect/>
-            </a:stretch>
-          </a:blipFill>
-        </p:spPr>
-        <p:txBody>
-          <a:bodyPr wrap="square" lIns="0" tIns="0" rIns="0" bIns="0" rtlCol="0">
-            <a:noAutofit/>
-          </a:bodyPr>
-          <a:lstStyle/>
-          <a:p>
-            <a:endParaRPr/>
-          </a:p>
-        </p:txBody>
-      </p:sp>
-      <p:sp>
-        <p:nvSpPr>
-          <p:cNvPr id="15" name="object 15"/>
-          <p:cNvSpPr txBox="1"/>
-          <p:nvPr/>
-        </p:nvSpPr>
-        <p:spPr>
-          <a:xfrm>
-            <a:off x="3232150" y="1996821"/>
-            <a:ext cx="3932138" cy="1283335"/>
-          </a:xfrm>
-          <a:prstGeom prst="rect">
-            <a:avLst/>
-          </a:prstGeom>
-        </p:spPr>
-        <p:txBody>
-          <a:bodyPr vert="horz" wrap="square" lIns="0" tIns="0" rIns="0" bIns="0" rtlCol="0">
-            <a:noAutofit/>
-          </a:bodyPr>
-          <a:lstStyle/>
-          <a:p>
-            <a:pPr marL="12700"/>
-            <a:r>
-              <a:rPr sz="8000" b="1" dirty="0">
-                <a:solidFill>
-                  <a:srgbClr val="002060"/>
-                </a:solidFill>
-                <a:latin typeface="Calibri"/>
-                <a:cs typeface="Calibri"/>
-              </a:rPr>
-              <a:t>Gracias</a:t>
-            </a:r>
-          </a:p>
-        </p:txBody>
-      </p:sp>
-      <p:sp>
-        <p:nvSpPr>
-          <p:cNvPr id="16" name="object 16"/>
-          <p:cNvSpPr/>
-          <p:nvPr/>
-        </p:nvSpPr>
-        <p:spPr>
-          <a:xfrm>
-            <a:off x="1591055" y="2070353"/>
-            <a:ext cx="780288" cy="778764"/>
-          </a:xfrm>
-          <a:custGeom>
-            <a:avLst/>
-            <a:gdLst/>
-            <a:ahLst/>
-            <a:cxnLst/>
-            <a:rect l="l" t="t" r="r" b="b"/>
-            <a:pathLst>
-              <a:path w="780288" h="778764">
-                <a:moveTo>
-                  <a:pt x="410082" y="0"/>
-                </a:moveTo>
-                <a:lnTo>
-                  <a:pt x="370205" y="0"/>
-                </a:lnTo>
-                <a:lnTo>
-                  <a:pt x="311657" y="7493"/>
-                </a:lnTo>
-                <a:lnTo>
-                  <a:pt x="274193" y="17525"/>
-                </a:lnTo>
-                <a:lnTo>
-                  <a:pt x="255524" y="23622"/>
-                </a:lnTo>
-                <a:lnTo>
-                  <a:pt x="220599" y="38608"/>
-                </a:lnTo>
-                <a:lnTo>
-                  <a:pt x="204469" y="47371"/>
-                </a:lnTo>
-                <a:lnTo>
-                  <a:pt x="188213" y="56007"/>
-                </a:lnTo>
-                <a:lnTo>
-                  <a:pt x="142112" y="88392"/>
-                </a:lnTo>
-                <a:lnTo>
-                  <a:pt x="100964" y="128143"/>
-                </a:lnTo>
-                <a:lnTo>
-                  <a:pt x="66039" y="171704"/>
-                </a:lnTo>
-                <a:lnTo>
-                  <a:pt x="38735" y="220218"/>
-                </a:lnTo>
-                <a:lnTo>
-                  <a:pt x="17399" y="273685"/>
-                </a:lnTo>
-                <a:lnTo>
-                  <a:pt x="7493" y="311023"/>
-                </a:lnTo>
-                <a:lnTo>
-                  <a:pt x="2540" y="349631"/>
-                </a:lnTo>
-                <a:lnTo>
-                  <a:pt x="0" y="369570"/>
-                </a:lnTo>
-                <a:lnTo>
-                  <a:pt x="0" y="409321"/>
-                </a:lnTo>
-                <a:lnTo>
-                  <a:pt x="2540" y="429260"/>
-                </a:lnTo>
-                <a:lnTo>
-                  <a:pt x="4953" y="449072"/>
-                </a:lnTo>
-                <a:lnTo>
-                  <a:pt x="17399" y="505079"/>
-                </a:lnTo>
-                <a:lnTo>
-                  <a:pt x="38735" y="558546"/>
-                </a:lnTo>
-                <a:lnTo>
-                  <a:pt x="66039" y="607060"/>
-                </a:lnTo>
-                <a:lnTo>
-                  <a:pt x="100964" y="650621"/>
-                </a:lnTo>
-                <a:lnTo>
-                  <a:pt x="128396" y="677926"/>
-                </a:lnTo>
-                <a:lnTo>
-                  <a:pt x="172085" y="712851"/>
-                </a:lnTo>
-                <a:lnTo>
-                  <a:pt x="220599" y="740156"/>
-                </a:lnTo>
-                <a:lnTo>
-                  <a:pt x="274193" y="761365"/>
-                </a:lnTo>
-                <a:lnTo>
-                  <a:pt x="311657" y="771271"/>
-                </a:lnTo>
-                <a:lnTo>
-                  <a:pt x="370205" y="778764"/>
-                </a:lnTo>
-                <a:lnTo>
-                  <a:pt x="410082" y="778764"/>
-                </a:lnTo>
-                <a:lnTo>
-                  <a:pt x="449961" y="773811"/>
-                </a:lnTo>
-                <a:lnTo>
-                  <a:pt x="506094" y="761365"/>
-                </a:lnTo>
-                <a:lnTo>
-                  <a:pt x="559562" y="740156"/>
-                </a:lnTo>
-                <a:lnTo>
-                  <a:pt x="608202" y="712851"/>
-                </a:lnTo>
-                <a:lnTo>
-                  <a:pt x="651891" y="677926"/>
-                </a:lnTo>
-                <a:lnTo>
-                  <a:pt x="679323" y="650621"/>
-                </a:lnTo>
-                <a:lnTo>
-                  <a:pt x="682664" y="646938"/>
-                </a:lnTo>
-                <a:lnTo>
-                  <a:pt x="390144" y="646938"/>
-                </a:lnTo>
-                <a:lnTo>
-                  <a:pt x="361442" y="645668"/>
-                </a:lnTo>
-                <a:lnTo>
-                  <a:pt x="306705" y="634492"/>
-                </a:lnTo>
-                <a:lnTo>
-                  <a:pt x="254254" y="613283"/>
-                </a:lnTo>
-                <a:lnTo>
-                  <a:pt x="206882" y="582168"/>
-                </a:lnTo>
-                <a:lnTo>
-                  <a:pt x="183261" y="558546"/>
-                </a:lnTo>
-                <a:lnTo>
-                  <a:pt x="180720" y="554863"/>
-                </a:lnTo>
-                <a:lnTo>
-                  <a:pt x="179450" y="549910"/>
-                </a:lnTo>
-                <a:lnTo>
-                  <a:pt x="178307" y="544830"/>
-                </a:lnTo>
-                <a:lnTo>
-                  <a:pt x="179450" y="541147"/>
-                </a:lnTo>
-                <a:lnTo>
-                  <a:pt x="180720" y="536194"/>
-                </a:lnTo>
-                <a:lnTo>
-                  <a:pt x="203200" y="520065"/>
-                </a:lnTo>
-                <a:lnTo>
-                  <a:pt x="757766" y="520065"/>
-                </a:lnTo>
-                <a:lnTo>
-                  <a:pt x="762762" y="505079"/>
-                </a:lnTo>
-                <a:lnTo>
-                  <a:pt x="767842" y="486410"/>
-                </a:lnTo>
-                <a:lnTo>
-                  <a:pt x="772794" y="467741"/>
-                </a:lnTo>
-                <a:lnTo>
-                  <a:pt x="775335" y="449072"/>
-                </a:lnTo>
-                <a:lnTo>
-                  <a:pt x="775938" y="444119"/>
-                </a:lnTo>
-                <a:lnTo>
-                  <a:pt x="230631" y="444119"/>
-                </a:lnTo>
-                <a:lnTo>
-                  <a:pt x="221869" y="442849"/>
-                </a:lnTo>
-                <a:lnTo>
-                  <a:pt x="189483" y="414274"/>
-                </a:lnTo>
-                <a:lnTo>
-                  <a:pt x="185800" y="395605"/>
-                </a:lnTo>
-                <a:lnTo>
-                  <a:pt x="186944" y="385699"/>
-                </a:lnTo>
-                <a:lnTo>
-                  <a:pt x="213106" y="350774"/>
-                </a:lnTo>
-                <a:lnTo>
-                  <a:pt x="230631" y="347091"/>
-                </a:lnTo>
-                <a:lnTo>
-                  <a:pt x="777440" y="347091"/>
-                </a:lnTo>
-                <a:lnTo>
-                  <a:pt x="775335" y="329692"/>
-                </a:lnTo>
-                <a:lnTo>
-                  <a:pt x="762762" y="273685"/>
-                </a:lnTo>
-                <a:lnTo>
-                  <a:pt x="741552" y="220218"/>
-                </a:lnTo>
-                <a:lnTo>
-                  <a:pt x="714248" y="171704"/>
-                </a:lnTo>
-                <a:lnTo>
-                  <a:pt x="679323" y="128143"/>
-                </a:lnTo>
-                <a:lnTo>
-                  <a:pt x="651891" y="100837"/>
-                </a:lnTo>
-                <a:lnTo>
-                  <a:pt x="608202" y="65912"/>
-                </a:lnTo>
-                <a:lnTo>
-                  <a:pt x="559562" y="38608"/>
-                </a:lnTo>
-                <a:lnTo>
-                  <a:pt x="506094" y="17525"/>
-                </a:lnTo>
-                <a:lnTo>
-                  <a:pt x="468630" y="7493"/>
-                </a:lnTo>
-                <a:lnTo>
-                  <a:pt x="410082" y="0"/>
-                </a:lnTo>
-                <a:close/>
-              </a:path>
-              <a:path w="780288" h="778764">
-                <a:moveTo>
-                  <a:pt x="757766" y="520065"/>
-                </a:moveTo>
-                <a:lnTo>
-                  <a:pt x="577088" y="520065"/>
-                </a:lnTo>
-                <a:lnTo>
-                  <a:pt x="582041" y="521208"/>
-                </a:lnTo>
-                <a:lnTo>
-                  <a:pt x="585851" y="522478"/>
-                </a:lnTo>
-                <a:lnTo>
-                  <a:pt x="600710" y="541147"/>
-                </a:lnTo>
-                <a:lnTo>
-                  <a:pt x="601980" y="544830"/>
-                </a:lnTo>
-                <a:lnTo>
-                  <a:pt x="600710" y="549910"/>
-                </a:lnTo>
-                <a:lnTo>
-                  <a:pt x="599567" y="554863"/>
-                </a:lnTo>
-                <a:lnTo>
-                  <a:pt x="597026" y="558546"/>
-                </a:lnTo>
-                <a:lnTo>
-                  <a:pt x="550926" y="599694"/>
-                </a:lnTo>
-                <a:lnTo>
-                  <a:pt x="501142" y="625729"/>
-                </a:lnTo>
-                <a:lnTo>
-                  <a:pt x="447420" y="641858"/>
-                </a:lnTo>
-                <a:lnTo>
-                  <a:pt x="390144" y="646938"/>
-                </a:lnTo>
-                <a:lnTo>
-                  <a:pt x="682664" y="646938"/>
-                </a:lnTo>
-                <a:lnTo>
-                  <a:pt x="714248" y="607060"/>
-                </a:lnTo>
-                <a:lnTo>
-                  <a:pt x="741552" y="558546"/>
-                </a:lnTo>
-                <a:lnTo>
-                  <a:pt x="756538" y="523748"/>
-                </a:lnTo>
-                <a:lnTo>
-                  <a:pt x="757766" y="520065"/>
-                </a:lnTo>
-                <a:close/>
-              </a:path>
-              <a:path w="780288" h="778764">
-                <a:moveTo>
-                  <a:pt x="577088" y="520065"/>
-                </a:moveTo>
-                <a:lnTo>
-                  <a:pt x="203200" y="520065"/>
-                </a:lnTo>
-                <a:lnTo>
-                  <a:pt x="208152" y="521208"/>
-                </a:lnTo>
-                <a:lnTo>
-                  <a:pt x="213106" y="522478"/>
-                </a:lnTo>
-                <a:lnTo>
-                  <a:pt x="216916" y="525018"/>
-                </a:lnTo>
-                <a:lnTo>
-                  <a:pt x="220599" y="527431"/>
-                </a:lnTo>
-                <a:lnTo>
-                  <a:pt x="239394" y="543687"/>
-                </a:lnTo>
-                <a:lnTo>
-                  <a:pt x="278002" y="569849"/>
-                </a:lnTo>
-                <a:lnTo>
-                  <a:pt x="320294" y="587248"/>
-                </a:lnTo>
-                <a:lnTo>
-                  <a:pt x="366521" y="595884"/>
-                </a:lnTo>
-                <a:lnTo>
-                  <a:pt x="390144" y="597154"/>
-                </a:lnTo>
-                <a:lnTo>
-                  <a:pt x="413766" y="595884"/>
-                </a:lnTo>
-                <a:lnTo>
-                  <a:pt x="459994" y="587248"/>
-                </a:lnTo>
-                <a:lnTo>
-                  <a:pt x="502285" y="569849"/>
-                </a:lnTo>
-                <a:lnTo>
-                  <a:pt x="540893" y="543687"/>
-                </a:lnTo>
-                <a:lnTo>
-                  <a:pt x="559562" y="527431"/>
-                </a:lnTo>
-                <a:lnTo>
-                  <a:pt x="563371" y="525018"/>
-                </a:lnTo>
-                <a:lnTo>
-                  <a:pt x="567182" y="522478"/>
-                </a:lnTo>
-                <a:lnTo>
-                  <a:pt x="572135" y="521208"/>
-                </a:lnTo>
-                <a:lnTo>
-                  <a:pt x="577088" y="520065"/>
-                </a:lnTo>
-                <a:close/>
-              </a:path>
-              <a:path w="780288" h="778764">
-                <a:moveTo>
-                  <a:pt x="549656" y="347091"/>
-                </a:moveTo>
-                <a:lnTo>
-                  <a:pt x="230631" y="347091"/>
-                </a:lnTo>
-                <a:lnTo>
-                  <a:pt x="239394" y="348361"/>
-                </a:lnTo>
-                <a:lnTo>
-                  <a:pt x="248031" y="350774"/>
-                </a:lnTo>
-                <a:lnTo>
-                  <a:pt x="255524" y="355854"/>
-                </a:lnTo>
-                <a:lnTo>
-                  <a:pt x="263017" y="360807"/>
-                </a:lnTo>
-                <a:lnTo>
-                  <a:pt x="267969" y="368300"/>
-                </a:lnTo>
-                <a:lnTo>
-                  <a:pt x="271780" y="376936"/>
-                </a:lnTo>
-                <a:lnTo>
-                  <a:pt x="274193" y="385699"/>
-                </a:lnTo>
-                <a:lnTo>
-                  <a:pt x="275463" y="395605"/>
-                </a:lnTo>
-                <a:lnTo>
-                  <a:pt x="274193" y="405638"/>
-                </a:lnTo>
-                <a:lnTo>
-                  <a:pt x="248031" y="440436"/>
-                </a:lnTo>
-                <a:lnTo>
-                  <a:pt x="230631" y="444119"/>
-                </a:lnTo>
-                <a:lnTo>
-                  <a:pt x="549656" y="444119"/>
-                </a:lnTo>
-                <a:lnTo>
-                  <a:pt x="512318" y="423037"/>
-                </a:lnTo>
-                <a:lnTo>
-                  <a:pt x="504825" y="395605"/>
-                </a:lnTo>
-                <a:lnTo>
-                  <a:pt x="506094" y="385699"/>
-                </a:lnTo>
-                <a:lnTo>
-                  <a:pt x="508507" y="376936"/>
-                </a:lnTo>
-                <a:lnTo>
-                  <a:pt x="512318" y="368300"/>
-                </a:lnTo>
-                <a:lnTo>
-                  <a:pt x="517270" y="360807"/>
-                </a:lnTo>
-                <a:lnTo>
-                  <a:pt x="524763" y="355854"/>
-                </a:lnTo>
-                <a:lnTo>
-                  <a:pt x="532257" y="350774"/>
-                </a:lnTo>
-                <a:lnTo>
-                  <a:pt x="540893" y="348361"/>
-                </a:lnTo>
-                <a:lnTo>
-                  <a:pt x="549656" y="347091"/>
-                </a:lnTo>
-                <a:close/>
-              </a:path>
-              <a:path w="780288" h="778764">
-                <a:moveTo>
-                  <a:pt x="777440" y="347091"/>
-                </a:moveTo>
-                <a:lnTo>
-                  <a:pt x="549656" y="347091"/>
-                </a:lnTo>
-                <a:lnTo>
-                  <a:pt x="558419" y="348361"/>
-                </a:lnTo>
-                <a:lnTo>
-                  <a:pt x="567182" y="350774"/>
-                </a:lnTo>
-                <a:lnTo>
-                  <a:pt x="593344" y="385699"/>
-                </a:lnTo>
-                <a:lnTo>
-                  <a:pt x="594487" y="395605"/>
-                </a:lnTo>
-                <a:lnTo>
-                  <a:pt x="593344" y="405638"/>
-                </a:lnTo>
-                <a:lnTo>
-                  <a:pt x="567182" y="440436"/>
-                </a:lnTo>
-                <a:lnTo>
-                  <a:pt x="549656" y="444119"/>
-                </a:lnTo>
-                <a:lnTo>
-                  <a:pt x="775938" y="444119"/>
-                </a:lnTo>
-                <a:lnTo>
-                  <a:pt x="777748" y="429260"/>
-                </a:lnTo>
-                <a:lnTo>
-                  <a:pt x="780288" y="409321"/>
-                </a:lnTo>
-                <a:lnTo>
-                  <a:pt x="780288" y="369570"/>
-                </a:lnTo>
-                <a:lnTo>
-                  <a:pt x="777748" y="349631"/>
-                </a:lnTo>
-                <a:lnTo>
-                  <a:pt x="777440" y="347091"/>
-                </a:lnTo>
-                <a:close/>
-              </a:path>
-            </a:pathLst>
-          </a:custGeom>
-          <a:solidFill>
-            <a:srgbClr val="FFFFFF"/>
-          </a:solidFill>
-        </p:spPr>
-        <p:txBody>
-          <a:bodyPr wrap="square" lIns="0" tIns="0" rIns="0" bIns="0" rtlCol="0">
-            <a:noAutofit/>
-          </a:bodyPr>
-          <a:lstStyle/>
-          <a:p>
-            <a:endParaRPr/>
-          </a:p>
-        </p:txBody>
-      </p:sp>
-    </p:spTree>
-  </p:cSld>
-  <p:clrMapOvr>
-    <a:masterClrMapping/>
-  </p:clrMapOvr>
-</p:sld>
-</file>
-
 <file path=ppt/slides/slide3.xml><?xml version="1.0" encoding="utf-8"?>
 <p:sld xmlns:a="http://schemas.openxmlformats.org/drawingml/2006/main" xmlns:r="http://schemas.openxmlformats.org/officeDocument/2006/relationships" xmlns:p="http://schemas.openxmlformats.org/presentationml/2006/main">
   <p:cSld>
